--- a/отчетная презентация по практике ПМ02.pptx
+++ b/отчетная презентация по практике ПМ02.pptx
@@ -6,25 +6,22 @@
   </p:sldMasterIdLst>
   <p:sldIdLst>
     <p:sldId id="256" r:id="rId2"/>
-    <p:sldId id="268" r:id="rId3"/>
-    <p:sldId id="280" r:id="rId4"/>
-    <p:sldId id="269" r:id="rId5"/>
-    <p:sldId id="270" r:id="rId6"/>
-    <p:sldId id="271" r:id="rId7"/>
-    <p:sldId id="272" r:id="rId8"/>
-    <p:sldId id="273" r:id="rId9"/>
-    <p:sldId id="274" r:id="rId10"/>
-    <p:sldId id="275" r:id="rId11"/>
-    <p:sldId id="276" r:id="rId12"/>
-    <p:sldId id="277" r:id="rId13"/>
-    <p:sldId id="278" r:id="rId14"/>
-    <p:sldId id="279" r:id="rId15"/>
-    <p:sldId id="281" r:id="rId16"/>
-    <p:sldId id="282" r:id="rId17"/>
-    <p:sldId id="283" r:id="rId18"/>
-    <p:sldId id="284" r:id="rId19"/>
-    <p:sldId id="285" r:id="rId20"/>
-    <p:sldId id="266" r:id="rId21"/>
+    <p:sldId id="269" r:id="rId3"/>
+    <p:sldId id="270" r:id="rId4"/>
+    <p:sldId id="271" r:id="rId5"/>
+    <p:sldId id="272" r:id="rId6"/>
+    <p:sldId id="273" r:id="rId7"/>
+    <p:sldId id="274" r:id="rId8"/>
+    <p:sldId id="275" r:id="rId9"/>
+    <p:sldId id="276" r:id="rId10"/>
+    <p:sldId id="277" r:id="rId11"/>
+    <p:sldId id="278" r:id="rId12"/>
+    <p:sldId id="279" r:id="rId13"/>
+    <p:sldId id="281" r:id="rId14"/>
+    <p:sldId id="282" r:id="rId15"/>
+    <p:sldId id="283" r:id="rId16"/>
+    <p:sldId id="284" r:id="rId17"/>
+    <p:sldId id="285" r:id="rId18"/>
   </p:sldIdLst>
   <p:sldSz cx="12192000" cy="6858000"/>
   <p:notesSz cx="6858000" cy="9144000"/>
@@ -129,8 +126,6 @@
         <p14:section name="Раздел по умолчанию" id="{C1F611A3-7456-4822-846F-0F655F3202F8}">
           <p14:sldIdLst>
             <p14:sldId id="256"/>
-            <p14:sldId id="268"/>
-            <p14:sldId id="280"/>
             <p14:sldId id="269"/>
             <p14:sldId id="270"/>
             <p14:sldId id="271"/>
@@ -147,7 +142,6 @@
             <p14:sldId id="283"/>
             <p14:sldId id="284"/>
             <p14:sldId id="285"/>
-            <p14:sldId id="266"/>
           </p14:sldIdLst>
         </p14:section>
       </p14:sectionLst>
@@ -5972,7 +5966,7 @@
           <p:cNvPr id="2" name="Заголовок 1">
             <a:extLst>
               <a:ext uri="{FF2B5EF4-FFF2-40B4-BE49-F238E27FC236}">
-                <a16:creationId xmlns:a16="http://schemas.microsoft.com/office/drawing/2014/main" id="{64FF75FE-4BEE-4728-86F5-AB1839BF79E7}"/>
+                <a16:creationId xmlns:a16="http://schemas.microsoft.com/office/drawing/2014/main" id="{857937E9-3D7B-4C78-80FF-20F40C2BC21F}"/>
               </a:ext>
             </a:extLst>
           </p:cNvPr>
@@ -5986,7 +5980,7 @@
         <p:spPr>
           <a:xfrm>
             <a:off x="1141413" y="609600"/>
-            <a:ext cx="9905998" cy="749300"/>
+            <a:ext cx="9905998" cy="850900"/>
           </a:xfrm>
         </p:spPr>
         <p:txBody>
@@ -6004,10 +5998,10 @@
       </p:sp>
       <p:pic>
         <p:nvPicPr>
-          <p:cNvPr id="4" name="image5.png">
+          <p:cNvPr id="4" name="image16.png">
             <a:extLst>
               <a:ext uri="{FF2B5EF4-FFF2-40B4-BE49-F238E27FC236}">
-                <a16:creationId xmlns:a16="http://schemas.microsoft.com/office/drawing/2014/main" id="{237261D9-7FE6-407E-B9E8-6B1669ABB964}"/>
+                <a16:creationId xmlns:a16="http://schemas.microsoft.com/office/drawing/2014/main" id="{0F847845-9A17-46FD-99E5-5ED3F166DEE2}"/>
               </a:ext>
             </a:extLst>
           </p:cNvPr>
@@ -6027,8 +6021,8 @@
         </p:blipFill>
         <p:spPr>
           <a:xfrm>
-            <a:off x="1627981" y="1490343"/>
-            <a:ext cx="2552700" cy="1476375"/>
+            <a:off x="4629150" y="1460500"/>
+            <a:ext cx="6791325" cy="1790700"/>
           </a:xfrm>
           <a:prstGeom prst="rect">
             <a:avLst/>
@@ -6047,10 +6041,10 @@
       </p:pic>
       <p:pic>
         <p:nvPicPr>
-          <p:cNvPr id="5" name="image2.png">
+          <p:cNvPr id="5" name="image11.png">
             <a:extLst>
               <a:ext uri="{FF2B5EF4-FFF2-40B4-BE49-F238E27FC236}">
-                <a16:creationId xmlns:a16="http://schemas.microsoft.com/office/drawing/2014/main" id="{21D5020D-CBA5-4D87-B7FA-2378F8D81008}"/>
+                <a16:creationId xmlns:a16="http://schemas.microsoft.com/office/drawing/2014/main" id="{E7CF13BE-AFA8-4DB6-A909-5750AD67328A}"/>
               </a:ext>
             </a:extLst>
           </p:cNvPr>
@@ -6066,8 +6060,8 @@
         </p:blipFill>
         <p:spPr>
           <a:xfrm>
-            <a:off x="6540182" y="1490343"/>
-            <a:ext cx="4089718" cy="1725613"/>
+            <a:off x="583407" y="1460500"/>
+            <a:ext cx="2464594" cy="2317751"/>
           </a:xfrm>
           <a:prstGeom prst="rect">
             <a:avLst/>
@@ -6086,10 +6080,10 @@
       </p:pic>
       <p:pic>
         <p:nvPicPr>
-          <p:cNvPr id="6" name="image12.png">
+          <p:cNvPr id="6" name="image4.png">
             <a:extLst>
               <a:ext uri="{FF2B5EF4-FFF2-40B4-BE49-F238E27FC236}">
-                <a16:creationId xmlns:a16="http://schemas.microsoft.com/office/drawing/2014/main" id="{2FC705D3-EA21-415A-9111-10C99BC695E7}"/>
+                <a16:creationId xmlns:a16="http://schemas.microsoft.com/office/drawing/2014/main" id="{805A8571-14D6-4E0D-BF56-25EF1D8F58F8}"/>
               </a:ext>
             </a:extLst>
           </p:cNvPr>
@@ -6105,8 +6099,8 @@
         </p:blipFill>
         <p:spPr>
           <a:xfrm>
-            <a:off x="525463" y="3284537"/>
-            <a:ext cx="4757737" cy="3285808"/>
+            <a:off x="3761104" y="3429000"/>
+            <a:ext cx="6348095" cy="3225800"/>
           </a:xfrm>
           <a:prstGeom prst="rect">
             <a:avLst/>
@@ -6123,49 +6117,10 @@
           </a:effectLst>
         </p:spPr>
       </p:pic>
-      <p:pic>
-        <p:nvPicPr>
-          <p:cNvPr id="7" name="image10.png">
-            <a:extLst>
-              <a:ext uri="{FF2B5EF4-FFF2-40B4-BE49-F238E27FC236}">
-                <a16:creationId xmlns:a16="http://schemas.microsoft.com/office/drawing/2014/main" id="{130CBF02-C907-4CD8-AD21-AEB3F7B66DEE}"/>
-              </a:ext>
-            </a:extLst>
-          </p:cNvPr>
-          <p:cNvPicPr/>
-          <p:nvPr/>
-        </p:nvPicPr>
-        <p:blipFill>
-          <a:blip r:embed="rId5"/>
-          <a:srcRect/>
-          <a:stretch>
-            <a:fillRect/>
-          </a:stretch>
-        </p:blipFill>
-        <p:spPr>
-          <a:xfrm>
-            <a:off x="5714841" y="3347400"/>
-            <a:ext cx="5918200" cy="3160081"/>
-          </a:xfrm>
-          <a:prstGeom prst="rect">
-            <a:avLst/>
-          </a:prstGeom>
-          <a:ln>
-            <a:noFill/>
-          </a:ln>
-          <a:effectLst>
-            <a:outerShdw blurRad="190500" algn="tl" rotWithShape="0">
-              <a:srgbClr val="000000">
-                <a:alpha val="70000"/>
-              </a:srgbClr>
-            </a:outerShdw>
-          </a:effectLst>
-        </p:spPr>
-      </p:pic>
     </p:spTree>
     <p:extLst>
       <p:ext uri="{BB962C8B-B14F-4D97-AF65-F5344CB8AC3E}">
-        <p14:creationId xmlns:p14="http://schemas.microsoft.com/office/powerpoint/2010/main" val="2788110555"/>
+        <p14:creationId xmlns:p14="http://schemas.microsoft.com/office/powerpoint/2010/main" val="145353629"/>
       </p:ext>
     </p:extLst>
   </p:cSld>
@@ -6197,7 +6152,7 @@
           <p:cNvPr id="2" name="Заголовок 1">
             <a:extLst>
               <a:ext uri="{FF2B5EF4-FFF2-40B4-BE49-F238E27FC236}">
-                <a16:creationId xmlns:a16="http://schemas.microsoft.com/office/drawing/2014/main" id="{445206CD-C81E-42A5-88C8-5B86297D8B37}"/>
+                <a16:creationId xmlns:a16="http://schemas.microsoft.com/office/drawing/2014/main" id="{C7CC588F-F507-435D-87D7-776C3B85E580}"/>
               </a:ext>
             </a:extLst>
           </p:cNvPr>
@@ -6211,7 +6166,7 @@
         <p:spPr>
           <a:xfrm>
             <a:off x="1141413" y="609600"/>
-            <a:ext cx="9905998" cy="901700"/>
+            <a:ext cx="9905998" cy="914400"/>
           </a:xfrm>
         </p:spPr>
         <p:txBody>
@@ -6229,15 +6184,15 @@
       </p:sp>
       <p:pic>
         <p:nvPicPr>
-          <p:cNvPr id="4" name="image15.png">
+          <p:cNvPr id="5" name="Объект 4">
             <a:extLst>
               <a:ext uri="{FF2B5EF4-FFF2-40B4-BE49-F238E27FC236}">
-                <a16:creationId xmlns:a16="http://schemas.microsoft.com/office/drawing/2014/main" id="{28E80F64-487E-41D9-9C20-7D7E625D720F}"/>
+                <a16:creationId xmlns:a16="http://schemas.microsoft.com/office/drawing/2014/main" id="{12767F07-18E0-481E-A28C-8C8DDD4E806D}"/>
               </a:ext>
             </a:extLst>
           </p:cNvPr>
           <p:cNvPicPr>
-            <a:picLocks noGrp="1"/>
+            <a:picLocks noGrp="1" noChangeAspect="1"/>
           </p:cNvPicPr>
           <p:nvPr>
             <p:ph idx="1"/>
@@ -6245,113 +6200,51 @@
         </p:nvPicPr>
         <p:blipFill>
           <a:blip r:embed="rId2"/>
-          <a:srcRect/>
           <a:stretch>
             <a:fillRect/>
           </a:stretch>
         </p:blipFill>
         <p:spPr>
           <a:xfrm>
-            <a:off x="681195" y="1511300"/>
-            <a:ext cx="5207000" cy="2597150"/>
-          </a:xfrm>
-          <a:prstGeom prst="rect">
-            <a:avLst/>
-          </a:prstGeom>
-          <a:ln>
-            <a:noFill/>
-          </a:ln>
-          <a:effectLst>
-            <a:outerShdw blurRad="190500" algn="tl" rotWithShape="0">
-              <a:srgbClr val="000000">
-                <a:alpha val="70000"/>
-              </a:srgbClr>
-            </a:outerShdw>
-          </a:effectLst>
+            <a:off x="800100" y="1524000"/>
+            <a:ext cx="3066461" cy="4459459"/>
+          </a:xfrm>
         </p:spPr>
       </p:pic>
       <p:pic>
         <p:nvPicPr>
-          <p:cNvPr id="5" name="image7.png">
+          <p:cNvPr id="7" name="Рисунок 6">
             <a:extLst>
               <a:ext uri="{FF2B5EF4-FFF2-40B4-BE49-F238E27FC236}">
-                <a16:creationId xmlns:a16="http://schemas.microsoft.com/office/drawing/2014/main" id="{3826D23A-07B5-4BD7-B276-4BE30C371D36}"/>
+                <a16:creationId xmlns:a16="http://schemas.microsoft.com/office/drawing/2014/main" id="{67B578BA-A8F5-4BAE-8F57-21F1DC02A931}"/>
               </a:ext>
             </a:extLst>
           </p:cNvPr>
-          <p:cNvPicPr/>
+          <p:cNvPicPr>
+            <a:picLocks noChangeAspect="1"/>
+          </p:cNvPicPr>
           <p:nvPr/>
         </p:nvPicPr>
         <p:blipFill>
           <a:blip r:embed="rId3"/>
-          <a:srcRect/>
           <a:stretch>
             <a:fillRect/>
           </a:stretch>
         </p:blipFill>
         <p:spPr>
           <a:xfrm>
-            <a:off x="2735579" y="4665662"/>
-            <a:ext cx="5619433" cy="1984375"/>
+            <a:off x="4103687" y="1877304"/>
+            <a:ext cx="7667625" cy="3752850"/>
           </a:xfrm>
           <a:prstGeom prst="rect">
             <a:avLst/>
           </a:prstGeom>
-          <a:ln>
-            <a:noFill/>
-          </a:ln>
-          <a:effectLst>
-            <a:outerShdw blurRad="190500" algn="tl" rotWithShape="0">
-              <a:srgbClr val="000000">
-                <a:alpha val="70000"/>
-              </a:srgbClr>
-            </a:outerShdw>
-          </a:effectLst>
-        </p:spPr>
-      </p:pic>
-      <p:pic>
-        <p:nvPicPr>
-          <p:cNvPr id="6" name="image8.png">
-            <a:extLst>
-              <a:ext uri="{FF2B5EF4-FFF2-40B4-BE49-F238E27FC236}">
-                <a16:creationId xmlns:a16="http://schemas.microsoft.com/office/drawing/2014/main" id="{EE886DA3-DD7A-4B00-A557-23E662A31439}"/>
-              </a:ext>
-            </a:extLst>
-          </p:cNvPr>
-          <p:cNvPicPr/>
-          <p:nvPr/>
-        </p:nvPicPr>
-        <p:blipFill>
-          <a:blip r:embed="rId4"/>
-          <a:srcRect/>
-          <a:stretch>
-            <a:fillRect/>
-          </a:stretch>
-        </p:blipFill>
-        <p:spPr>
-          <a:xfrm>
-            <a:off x="6437313" y="1333500"/>
-            <a:ext cx="5207000" cy="3179762"/>
-          </a:xfrm>
-          <a:prstGeom prst="rect">
-            <a:avLst/>
-          </a:prstGeom>
-          <a:ln>
-            <a:noFill/>
-          </a:ln>
-          <a:effectLst>
-            <a:outerShdw blurRad="190500" algn="tl" rotWithShape="0">
-              <a:srgbClr val="000000">
-                <a:alpha val="70000"/>
-              </a:srgbClr>
-            </a:outerShdw>
-          </a:effectLst>
         </p:spPr>
       </p:pic>
     </p:spTree>
     <p:extLst>
       <p:ext uri="{BB962C8B-B14F-4D97-AF65-F5344CB8AC3E}">
-        <p14:creationId xmlns:p14="http://schemas.microsoft.com/office/powerpoint/2010/main" val="707563747"/>
+        <p14:creationId xmlns:p14="http://schemas.microsoft.com/office/powerpoint/2010/main" val="3737719867"/>
       </p:ext>
     </p:extLst>
   </p:cSld>
@@ -6383,7 +6276,7 @@
           <p:cNvPr id="2" name="Заголовок 1">
             <a:extLst>
               <a:ext uri="{FF2B5EF4-FFF2-40B4-BE49-F238E27FC236}">
-                <a16:creationId xmlns:a16="http://schemas.microsoft.com/office/drawing/2014/main" id="{857937E9-3D7B-4C78-80FF-20F40C2BC21F}"/>
+                <a16:creationId xmlns:a16="http://schemas.microsoft.com/office/drawing/2014/main" id="{8B400BFD-9C2E-457A-97BE-6C095E60A2D7}"/>
               </a:ext>
             </a:extLst>
           </p:cNvPr>
@@ -6397,7 +6290,7 @@
         <p:spPr>
           <a:xfrm>
             <a:off x="1141413" y="609600"/>
-            <a:ext cx="9905998" cy="850900"/>
+            <a:ext cx="9905998" cy="889000"/>
           </a:xfrm>
         </p:spPr>
         <p:txBody>
@@ -6415,15 +6308,15 @@
       </p:sp>
       <p:pic>
         <p:nvPicPr>
-          <p:cNvPr id="4" name="image16.png">
+          <p:cNvPr id="5" name="Объект 4">
             <a:extLst>
               <a:ext uri="{FF2B5EF4-FFF2-40B4-BE49-F238E27FC236}">
-                <a16:creationId xmlns:a16="http://schemas.microsoft.com/office/drawing/2014/main" id="{0F847845-9A17-46FD-99E5-5ED3F166DEE2}"/>
+                <a16:creationId xmlns:a16="http://schemas.microsoft.com/office/drawing/2014/main" id="{68EF1A76-2C64-428B-930C-B268C5D72FA7}"/>
               </a:ext>
             </a:extLst>
           </p:cNvPr>
           <p:cNvPicPr>
-            <a:picLocks noGrp="1"/>
+            <a:picLocks noGrp="1" noChangeAspect="1"/>
           </p:cNvPicPr>
           <p:nvPr>
             <p:ph idx="1"/>
@@ -6431,113 +6324,51 @@
         </p:nvPicPr>
         <p:blipFill>
           <a:blip r:embed="rId2"/>
-          <a:srcRect/>
           <a:stretch>
             <a:fillRect/>
           </a:stretch>
         </p:blipFill>
         <p:spPr>
           <a:xfrm>
-            <a:off x="4629150" y="1460500"/>
-            <a:ext cx="6791325" cy="1790700"/>
-          </a:xfrm>
-          <a:prstGeom prst="rect">
-            <a:avLst/>
-          </a:prstGeom>
-          <a:ln>
-            <a:noFill/>
-          </a:ln>
-          <a:effectLst>
-            <a:outerShdw blurRad="190500" algn="tl" rotWithShape="0">
-              <a:srgbClr val="000000">
-                <a:alpha val="70000"/>
-              </a:srgbClr>
-            </a:outerShdw>
-          </a:effectLst>
+            <a:off x="512895" y="1397000"/>
+            <a:ext cx="5581517" cy="3124200"/>
+          </a:xfrm>
         </p:spPr>
       </p:pic>
       <p:pic>
         <p:nvPicPr>
-          <p:cNvPr id="5" name="image11.png">
+          <p:cNvPr id="7" name="Рисунок 6">
             <a:extLst>
               <a:ext uri="{FF2B5EF4-FFF2-40B4-BE49-F238E27FC236}">
-                <a16:creationId xmlns:a16="http://schemas.microsoft.com/office/drawing/2014/main" id="{E7CF13BE-AFA8-4DB6-A909-5750AD67328A}"/>
+                <a16:creationId xmlns:a16="http://schemas.microsoft.com/office/drawing/2014/main" id="{A8C6A108-7C57-450E-961A-B50C9CAACB0E}"/>
               </a:ext>
             </a:extLst>
           </p:cNvPr>
-          <p:cNvPicPr/>
+          <p:cNvPicPr>
+            <a:picLocks noChangeAspect="1"/>
+          </p:cNvPicPr>
           <p:nvPr/>
         </p:nvPicPr>
         <p:blipFill>
           <a:blip r:embed="rId3"/>
-          <a:srcRect/>
           <a:stretch>
             <a:fillRect/>
           </a:stretch>
         </p:blipFill>
         <p:spPr>
           <a:xfrm>
-            <a:off x="583407" y="1460500"/>
-            <a:ext cx="2464594" cy="2317751"/>
+            <a:off x="6241917" y="3429000"/>
+            <a:ext cx="5437188" cy="3029191"/>
           </a:xfrm>
           <a:prstGeom prst="rect">
             <a:avLst/>
           </a:prstGeom>
-          <a:ln>
-            <a:noFill/>
-          </a:ln>
-          <a:effectLst>
-            <a:outerShdw blurRad="190500" algn="tl" rotWithShape="0">
-              <a:srgbClr val="000000">
-                <a:alpha val="70000"/>
-              </a:srgbClr>
-            </a:outerShdw>
-          </a:effectLst>
-        </p:spPr>
-      </p:pic>
-      <p:pic>
-        <p:nvPicPr>
-          <p:cNvPr id="6" name="image4.png">
-            <a:extLst>
-              <a:ext uri="{FF2B5EF4-FFF2-40B4-BE49-F238E27FC236}">
-                <a16:creationId xmlns:a16="http://schemas.microsoft.com/office/drawing/2014/main" id="{805A8571-14D6-4E0D-BF56-25EF1D8F58F8}"/>
-              </a:ext>
-            </a:extLst>
-          </p:cNvPr>
-          <p:cNvPicPr/>
-          <p:nvPr/>
-        </p:nvPicPr>
-        <p:blipFill>
-          <a:blip r:embed="rId4"/>
-          <a:srcRect/>
-          <a:stretch>
-            <a:fillRect/>
-          </a:stretch>
-        </p:blipFill>
-        <p:spPr>
-          <a:xfrm>
-            <a:off x="3761104" y="3429000"/>
-            <a:ext cx="6348095" cy="3225800"/>
-          </a:xfrm>
-          <a:prstGeom prst="rect">
-            <a:avLst/>
-          </a:prstGeom>
-          <a:ln>
-            <a:noFill/>
-          </a:ln>
-          <a:effectLst>
-            <a:outerShdw blurRad="190500" algn="tl" rotWithShape="0">
-              <a:srgbClr val="000000">
-                <a:alpha val="70000"/>
-              </a:srgbClr>
-            </a:outerShdw>
-          </a:effectLst>
         </p:spPr>
       </p:pic>
     </p:spTree>
     <p:extLst>
       <p:ext uri="{BB962C8B-B14F-4D97-AF65-F5344CB8AC3E}">
-        <p14:creationId xmlns:p14="http://schemas.microsoft.com/office/powerpoint/2010/main" val="145353629"/>
+        <p14:creationId xmlns:p14="http://schemas.microsoft.com/office/powerpoint/2010/main" val="4019920515"/>
       </p:ext>
     </p:extLst>
   </p:cSld>
@@ -6569,7 +6400,7 @@
           <p:cNvPr id="2" name="Заголовок 1">
             <a:extLst>
               <a:ext uri="{FF2B5EF4-FFF2-40B4-BE49-F238E27FC236}">
-                <a16:creationId xmlns:a16="http://schemas.microsoft.com/office/drawing/2014/main" id="{C7CC588F-F507-435D-87D7-776C3B85E580}"/>
+                <a16:creationId xmlns:a16="http://schemas.microsoft.com/office/drawing/2014/main" id="{417772B6-71E7-425C-99B1-C5FFE036E007}"/>
               </a:ext>
             </a:extLst>
           </p:cNvPr>
@@ -6583,7 +6414,7 @@
         <p:spPr>
           <a:xfrm>
             <a:off x="1141413" y="609600"/>
-            <a:ext cx="9905998" cy="914400"/>
+            <a:ext cx="9905998" cy="939800"/>
           </a:xfrm>
         </p:spPr>
         <p:txBody>
@@ -6593,27 +6424,67 @@
             <a:pPr algn="ctr"/>
             <a:r>
               <a:rPr lang="ru-RU" sz="3200" b="1" dirty="0"/>
-              <a:t>Программы</a:t>
+              <a:t>Работа в системе контроля версий</a:t>
             </a:r>
             <a:endParaRPr lang="ru-RU" dirty="0"/>
           </a:p>
         </p:txBody>
       </p:sp>
-      <p:pic>
-        <p:nvPicPr>
-          <p:cNvPr id="5" name="Объект 4">
+      <p:sp>
+        <p:nvSpPr>
+          <p:cNvPr id="3" name="Объект 2">
             <a:extLst>
               <a:ext uri="{FF2B5EF4-FFF2-40B4-BE49-F238E27FC236}">
-                <a16:creationId xmlns:a16="http://schemas.microsoft.com/office/drawing/2014/main" id="{12767F07-18E0-481E-A28C-8C8DDD4E806D}"/>
+                <a16:creationId xmlns:a16="http://schemas.microsoft.com/office/drawing/2014/main" id="{E14E865A-46FC-4550-8FBE-968F477DAC44}"/>
               </a:ext>
             </a:extLst>
           </p:cNvPr>
-          <p:cNvPicPr>
-            <a:picLocks noGrp="1" noChangeAspect="1"/>
-          </p:cNvPicPr>
+          <p:cNvSpPr>
+            <a:spLocks noGrp="1"/>
+          </p:cNvSpPr>
           <p:nvPr>
             <p:ph idx="1"/>
           </p:nvPr>
+        </p:nvSpPr>
+        <p:spPr>
+          <a:xfrm>
+            <a:off x="1141413" y="1549400"/>
+            <a:ext cx="9905998" cy="1181101"/>
+          </a:xfrm>
+        </p:spPr>
+        <p:txBody>
+          <a:bodyPr/>
+          <a:lstStyle/>
+          <a:p>
+            <a:pPr marL="0" indent="0" algn="just">
+              <a:buNone/>
+            </a:pPr>
+            <a:r>
+              <a:rPr lang="ru-RU" b="1" dirty="0"/>
+              <a:t>За все время практики я работала с системой контроля версий </a:t>
+            </a:r>
+            <a:r>
+              <a:rPr lang="ru-RU" b="1" dirty="0" err="1"/>
+              <a:t>GitHub</a:t>
+            </a:r>
+            <a:r>
+              <a:rPr lang="ru-RU" b="1" dirty="0"/>
+              <a:t>. Я создала несколько репозиториев, в которые загружала все выполняемые мной задания:</a:t>
+            </a:r>
+          </a:p>
+        </p:txBody>
+      </p:sp>
+      <p:pic>
+        <p:nvPicPr>
+          <p:cNvPr id="4" name="Рисунок 3">
+            <a:extLst>
+              <a:ext uri="{FF2B5EF4-FFF2-40B4-BE49-F238E27FC236}">
+                <a16:creationId xmlns:a16="http://schemas.microsoft.com/office/drawing/2014/main" id="{979549B1-8866-4DB6-8857-653792877B5A}"/>
+              </a:ext>
+            </a:extLst>
+          </p:cNvPr>
+          <p:cNvPicPr/>
+          <p:nvPr/>
         </p:nvPicPr>
         <p:blipFill>
           <a:blip r:embed="rId2"/>
@@ -6623,23 +6494,34 @@
         </p:blipFill>
         <p:spPr>
           <a:xfrm>
-            <a:off x="800100" y="1524000"/>
-            <a:ext cx="3066461" cy="4459459"/>
-          </a:xfrm>
+            <a:off x="910272" y="2767965"/>
+            <a:ext cx="4779328" cy="2223135"/>
+          </a:xfrm>
+          <a:prstGeom prst="rect">
+            <a:avLst/>
+          </a:prstGeom>
+          <a:ln>
+            <a:noFill/>
+          </a:ln>
+          <a:effectLst>
+            <a:outerShdw blurRad="190500" algn="tl" rotWithShape="0">
+              <a:srgbClr val="000000">
+                <a:alpha val="70000"/>
+              </a:srgbClr>
+            </a:outerShdw>
+          </a:effectLst>
         </p:spPr>
       </p:pic>
       <p:pic>
         <p:nvPicPr>
-          <p:cNvPr id="7" name="Рисунок 6">
+          <p:cNvPr id="5" name="Рисунок 4">
             <a:extLst>
               <a:ext uri="{FF2B5EF4-FFF2-40B4-BE49-F238E27FC236}">
-                <a16:creationId xmlns:a16="http://schemas.microsoft.com/office/drawing/2014/main" id="{67B578BA-A8F5-4BAE-8F57-21F1DC02A931}"/>
+                <a16:creationId xmlns:a16="http://schemas.microsoft.com/office/drawing/2014/main" id="{3E92EE2F-B781-4F31-B079-DD665BF7209D}"/>
               </a:ext>
             </a:extLst>
           </p:cNvPr>
-          <p:cNvPicPr>
-            <a:picLocks noChangeAspect="1"/>
-          </p:cNvPicPr>
+          <p:cNvPicPr/>
           <p:nvPr/>
         </p:nvPicPr>
         <p:blipFill>
@@ -6650,18 +6532,28 @@
         </p:blipFill>
         <p:spPr>
           <a:xfrm>
-            <a:off x="4103687" y="1877304"/>
-            <a:ext cx="7667625" cy="3752850"/>
+            <a:off x="5689600" y="3548379"/>
+            <a:ext cx="5940425" cy="1480185"/>
           </a:xfrm>
           <a:prstGeom prst="rect">
             <a:avLst/>
           </a:prstGeom>
+          <a:ln>
+            <a:noFill/>
+          </a:ln>
+          <a:effectLst>
+            <a:outerShdw blurRad="190500" algn="tl" rotWithShape="0">
+              <a:srgbClr val="000000">
+                <a:alpha val="70000"/>
+              </a:srgbClr>
+            </a:outerShdw>
+          </a:effectLst>
         </p:spPr>
       </p:pic>
     </p:spTree>
     <p:extLst>
       <p:ext uri="{BB962C8B-B14F-4D97-AF65-F5344CB8AC3E}">
-        <p14:creationId xmlns:p14="http://schemas.microsoft.com/office/powerpoint/2010/main" val="3737719867"/>
+        <p14:creationId xmlns:p14="http://schemas.microsoft.com/office/powerpoint/2010/main" val="4225022513"/>
       </p:ext>
     </p:extLst>
   </p:cSld>
@@ -6693,315 +6585,6 @@
           <p:cNvPr id="2" name="Заголовок 1">
             <a:extLst>
               <a:ext uri="{FF2B5EF4-FFF2-40B4-BE49-F238E27FC236}">
-                <a16:creationId xmlns:a16="http://schemas.microsoft.com/office/drawing/2014/main" id="{8B400BFD-9C2E-457A-97BE-6C095E60A2D7}"/>
-              </a:ext>
-            </a:extLst>
-          </p:cNvPr>
-          <p:cNvSpPr>
-            <a:spLocks noGrp="1"/>
-          </p:cNvSpPr>
-          <p:nvPr>
-            <p:ph type="title"/>
-          </p:nvPr>
-        </p:nvSpPr>
-        <p:spPr>
-          <a:xfrm>
-            <a:off x="1141413" y="609600"/>
-            <a:ext cx="9905998" cy="889000"/>
-          </a:xfrm>
-        </p:spPr>
-        <p:txBody>
-          <a:bodyPr/>
-          <a:lstStyle/>
-          <a:p>
-            <a:pPr algn="ctr"/>
-            <a:r>
-              <a:rPr lang="ru-RU" sz="3200" b="1" dirty="0"/>
-              <a:t>Программы</a:t>
-            </a:r>
-            <a:endParaRPr lang="ru-RU" dirty="0"/>
-          </a:p>
-        </p:txBody>
-      </p:sp>
-      <p:pic>
-        <p:nvPicPr>
-          <p:cNvPr id="5" name="Объект 4">
-            <a:extLst>
-              <a:ext uri="{FF2B5EF4-FFF2-40B4-BE49-F238E27FC236}">
-                <a16:creationId xmlns:a16="http://schemas.microsoft.com/office/drawing/2014/main" id="{68EF1A76-2C64-428B-930C-B268C5D72FA7}"/>
-              </a:ext>
-            </a:extLst>
-          </p:cNvPr>
-          <p:cNvPicPr>
-            <a:picLocks noGrp="1" noChangeAspect="1"/>
-          </p:cNvPicPr>
-          <p:nvPr>
-            <p:ph idx="1"/>
-          </p:nvPr>
-        </p:nvPicPr>
-        <p:blipFill>
-          <a:blip r:embed="rId2"/>
-          <a:stretch>
-            <a:fillRect/>
-          </a:stretch>
-        </p:blipFill>
-        <p:spPr>
-          <a:xfrm>
-            <a:off x="512895" y="1397000"/>
-            <a:ext cx="5581517" cy="3124200"/>
-          </a:xfrm>
-        </p:spPr>
-      </p:pic>
-      <p:pic>
-        <p:nvPicPr>
-          <p:cNvPr id="7" name="Рисунок 6">
-            <a:extLst>
-              <a:ext uri="{FF2B5EF4-FFF2-40B4-BE49-F238E27FC236}">
-                <a16:creationId xmlns:a16="http://schemas.microsoft.com/office/drawing/2014/main" id="{A8C6A108-7C57-450E-961A-B50C9CAACB0E}"/>
-              </a:ext>
-            </a:extLst>
-          </p:cNvPr>
-          <p:cNvPicPr>
-            <a:picLocks noChangeAspect="1"/>
-          </p:cNvPicPr>
-          <p:nvPr/>
-        </p:nvPicPr>
-        <p:blipFill>
-          <a:blip r:embed="rId3"/>
-          <a:stretch>
-            <a:fillRect/>
-          </a:stretch>
-        </p:blipFill>
-        <p:spPr>
-          <a:xfrm>
-            <a:off x="6241917" y="3429000"/>
-            <a:ext cx="5437188" cy="3029191"/>
-          </a:xfrm>
-          <a:prstGeom prst="rect">
-            <a:avLst/>
-          </a:prstGeom>
-        </p:spPr>
-      </p:pic>
-    </p:spTree>
-    <p:extLst>
-      <p:ext uri="{BB962C8B-B14F-4D97-AF65-F5344CB8AC3E}">
-        <p14:creationId xmlns:p14="http://schemas.microsoft.com/office/powerpoint/2010/main" val="4019920515"/>
-      </p:ext>
-    </p:extLst>
-  </p:cSld>
-  <p:clrMapOvr>
-    <a:masterClrMapping/>
-  </p:clrMapOvr>
-</p:sld>
-</file>
-
-<file path=ppt/slides/slide15.xml><?xml version="1.0" encoding="utf-8"?>
-<p:sld xmlns:a="http://schemas.openxmlformats.org/drawingml/2006/main" xmlns:r="http://schemas.openxmlformats.org/officeDocument/2006/relationships" xmlns:p="http://schemas.openxmlformats.org/presentationml/2006/main">
-  <p:cSld>
-    <p:spTree>
-      <p:nvGrpSpPr>
-        <p:cNvPr id="1" name=""/>
-        <p:cNvGrpSpPr/>
-        <p:nvPr/>
-      </p:nvGrpSpPr>
-      <p:grpSpPr>
-        <a:xfrm>
-          <a:off x="0" y="0"/>
-          <a:ext cx="0" cy="0"/>
-          <a:chOff x="0" y="0"/>
-          <a:chExt cx="0" cy="0"/>
-        </a:xfrm>
-      </p:grpSpPr>
-      <p:sp>
-        <p:nvSpPr>
-          <p:cNvPr id="2" name="Заголовок 1">
-            <a:extLst>
-              <a:ext uri="{FF2B5EF4-FFF2-40B4-BE49-F238E27FC236}">
-                <a16:creationId xmlns:a16="http://schemas.microsoft.com/office/drawing/2014/main" id="{417772B6-71E7-425C-99B1-C5FFE036E007}"/>
-              </a:ext>
-            </a:extLst>
-          </p:cNvPr>
-          <p:cNvSpPr>
-            <a:spLocks noGrp="1"/>
-          </p:cNvSpPr>
-          <p:nvPr>
-            <p:ph type="title"/>
-          </p:nvPr>
-        </p:nvSpPr>
-        <p:spPr>
-          <a:xfrm>
-            <a:off x="1141413" y="609600"/>
-            <a:ext cx="9905998" cy="939800"/>
-          </a:xfrm>
-        </p:spPr>
-        <p:txBody>
-          <a:bodyPr/>
-          <a:lstStyle/>
-          <a:p>
-            <a:pPr algn="ctr"/>
-            <a:r>
-              <a:rPr lang="ru-RU" sz="3200" b="1" dirty="0"/>
-              <a:t>Работа в системе контроля версий</a:t>
-            </a:r>
-            <a:endParaRPr lang="ru-RU" dirty="0"/>
-          </a:p>
-        </p:txBody>
-      </p:sp>
-      <p:sp>
-        <p:nvSpPr>
-          <p:cNvPr id="3" name="Объект 2">
-            <a:extLst>
-              <a:ext uri="{FF2B5EF4-FFF2-40B4-BE49-F238E27FC236}">
-                <a16:creationId xmlns:a16="http://schemas.microsoft.com/office/drawing/2014/main" id="{E14E865A-46FC-4550-8FBE-968F477DAC44}"/>
-              </a:ext>
-            </a:extLst>
-          </p:cNvPr>
-          <p:cNvSpPr>
-            <a:spLocks noGrp="1"/>
-          </p:cNvSpPr>
-          <p:nvPr>
-            <p:ph idx="1"/>
-          </p:nvPr>
-        </p:nvSpPr>
-        <p:spPr>
-          <a:xfrm>
-            <a:off x="1141413" y="1549400"/>
-            <a:ext cx="9905998" cy="1181101"/>
-          </a:xfrm>
-        </p:spPr>
-        <p:txBody>
-          <a:bodyPr/>
-          <a:lstStyle/>
-          <a:p>
-            <a:pPr marL="0" indent="0" algn="just">
-              <a:buNone/>
-            </a:pPr>
-            <a:r>
-              <a:rPr lang="ru-RU" b="1" dirty="0"/>
-              <a:t>За все время практики я работала с системой контроля версий </a:t>
-            </a:r>
-            <a:r>
-              <a:rPr lang="ru-RU" b="1" dirty="0" err="1"/>
-              <a:t>GitHub</a:t>
-            </a:r>
-            <a:r>
-              <a:rPr lang="ru-RU" b="1" dirty="0"/>
-              <a:t>. Я создала несколько репозиториев, в которые загружала все выполняемые мной задания:</a:t>
-            </a:r>
-          </a:p>
-        </p:txBody>
-      </p:sp>
-      <p:pic>
-        <p:nvPicPr>
-          <p:cNvPr id="4" name="Рисунок 3">
-            <a:extLst>
-              <a:ext uri="{FF2B5EF4-FFF2-40B4-BE49-F238E27FC236}">
-                <a16:creationId xmlns:a16="http://schemas.microsoft.com/office/drawing/2014/main" id="{979549B1-8866-4DB6-8857-653792877B5A}"/>
-              </a:ext>
-            </a:extLst>
-          </p:cNvPr>
-          <p:cNvPicPr/>
-          <p:nvPr/>
-        </p:nvPicPr>
-        <p:blipFill>
-          <a:blip r:embed="rId2"/>
-          <a:stretch>
-            <a:fillRect/>
-          </a:stretch>
-        </p:blipFill>
-        <p:spPr>
-          <a:xfrm>
-            <a:off x="910272" y="2767965"/>
-            <a:ext cx="4779328" cy="2223135"/>
-          </a:xfrm>
-          <a:prstGeom prst="rect">
-            <a:avLst/>
-          </a:prstGeom>
-          <a:ln>
-            <a:noFill/>
-          </a:ln>
-          <a:effectLst>
-            <a:outerShdw blurRad="190500" algn="tl" rotWithShape="0">
-              <a:srgbClr val="000000">
-                <a:alpha val="70000"/>
-              </a:srgbClr>
-            </a:outerShdw>
-          </a:effectLst>
-        </p:spPr>
-      </p:pic>
-      <p:pic>
-        <p:nvPicPr>
-          <p:cNvPr id="5" name="Рисунок 4">
-            <a:extLst>
-              <a:ext uri="{FF2B5EF4-FFF2-40B4-BE49-F238E27FC236}">
-                <a16:creationId xmlns:a16="http://schemas.microsoft.com/office/drawing/2014/main" id="{3E92EE2F-B781-4F31-B079-DD665BF7209D}"/>
-              </a:ext>
-            </a:extLst>
-          </p:cNvPr>
-          <p:cNvPicPr/>
-          <p:nvPr/>
-        </p:nvPicPr>
-        <p:blipFill>
-          <a:blip r:embed="rId3"/>
-          <a:stretch>
-            <a:fillRect/>
-          </a:stretch>
-        </p:blipFill>
-        <p:spPr>
-          <a:xfrm>
-            <a:off x="5689600" y="3548379"/>
-            <a:ext cx="5940425" cy="1480185"/>
-          </a:xfrm>
-          <a:prstGeom prst="rect">
-            <a:avLst/>
-          </a:prstGeom>
-          <a:ln>
-            <a:noFill/>
-          </a:ln>
-          <a:effectLst>
-            <a:outerShdw blurRad="190500" algn="tl" rotWithShape="0">
-              <a:srgbClr val="000000">
-                <a:alpha val="70000"/>
-              </a:srgbClr>
-            </a:outerShdw>
-          </a:effectLst>
-        </p:spPr>
-      </p:pic>
-    </p:spTree>
-    <p:extLst>
-      <p:ext uri="{BB962C8B-B14F-4D97-AF65-F5344CB8AC3E}">
-        <p14:creationId xmlns:p14="http://schemas.microsoft.com/office/powerpoint/2010/main" val="4225022513"/>
-      </p:ext>
-    </p:extLst>
-  </p:cSld>
-  <p:clrMapOvr>
-    <a:masterClrMapping/>
-  </p:clrMapOvr>
-</p:sld>
-</file>
-
-<file path=ppt/slides/slide16.xml><?xml version="1.0" encoding="utf-8"?>
-<p:sld xmlns:a="http://schemas.openxmlformats.org/drawingml/2006/main" xmlns:r="http://schemas.openxmlformats.org/officeDocument/2006/relationships" xmlns:p="http://schemas.openxmlformats.org/presentationml/2006/main">
-  <p:cSld>
-    <p:spTree>
-      <p:nvGrpSpPr>
-        <p:cNvPr id="1" name=""/>
-        <p:cNvGrpSpPr/>
-        <p:nvPr/>
-      </p:nvGrpSpPr>
-      <p:grpSpPr>
-        <a:xfrm>
-          <a:off x="0" y="0"/>
-          <a:ext cx="0" cy="0"/>
-          <a:chOff x="0" y="0"/>
-          <a:chExt cx="0" cy="0"/>
-        </a:xfrm>
-      </p:grpSpPr>
-      <p:sp>
-        <p:nvSpPr>
-          <p:cNvPr id="2" name="Заголовок 1">
-            <a:extLst>
-              <a:ext uri="{FF2B5EF4-FFF2-40B4-BE49-F238E27FC236}">
                 <a16:creationId xmlns:a16="http://schemas.microsoft.com/office/drawing/2014/main" id="{964093D6-FD1B-4AF5-97B0-8CA6DAE518CA}"/>
               </a:ext>
             </a:extLst>
@@ -7203,7 +6786,7 @@
 </p:sld>
 </file>
 
-<file path=ppt/slides/slide17.xml><?xml version="1.0" encoding="utf-8"?>
+<file path=ppt/slides/slide15.xml><?xml version="1.0" encoding="utf-8"?>
 <p:sld xmlns:a="http://schemas.openxmlformats.org/drawingml/2006/main" xmlns:r="http://schemas.openxmlformats.org/officeDocument/2006/relationships" xmlns:p="http://schemas.openxmlformats.org/presentationml/2006/main">
   <p:cSld>
     <p:spTree>
@@ -7461,7 +7044,7 @@
 </p:sld>
 </file>
 
-<file path=ppt/slides/slide18.xml><?xml version="1.0" encoding="utf-8"?>
+<file path=ppt/slides/slide16.xml><?xml version="1.0" encoding="utf-8"?>
 <p:sld xmlns:a="http://schemas.openxmlformats.org/drawingml/2006/main" xmlns:r="http://schemas.openxmlformats.org/officeDocument/2006/relationships" xmlns:p="http://schemas.openxmlformats.org/presentationml/2006/main">
   <p:cSld>
     <p:spTree>
@@ -7705,7 +7288,7 @@
 </p:sld>
 </file>
 
-<file path=ppt/slides/slide19.xml><?xml version="1.0" encoding="utf-8"?>
+<file path=ppt/slides/slide17.xml><?xml version="1.0" encoding="utf-8"?>
 <p:sld xmlns:a="http://schemas.openxmlformats.org/drawingml/2006/main" xmlns:r="http://schemas.openxmlformats.org/officeDocument/2006/relationships" xmlns:p="http://schemas.openxmlformats.org/presentationml/2006/main">
   <p:cSld>
     <p:spTree>
@@ -7802,15 +7385,9 @@
             </a:r>
           </a:p>
           <a:p>
-            <a:pPr marL="0" indent="0" algn="just">
+            <a:pPr marL="0" indent="0">
               <a:buNone/>
             </a:pPr>
-            <a:r>
-              <a:rPr lang="ru-RU" b="1" dirty="0"/>
-              <a:t>Этот практический опыт дал мне преимущество перед другими кандидатами на рынке труда, поскольку я уже обладаю практическими навыками и опытом, необходимыми для выполнения рабочих задач. Я уверена, что полученные знания и опыт помогут мне сделать успешную карьеру в выбранной области.</a:t>
-            </a:r>
-          </a:p>
-          <a:p>
             <a:endParaRPr lang="ru-RU" dirty="0"/>
           </a:p>
         </p:txBody>
@@ -7850,7 +7427,7 @@
           <p:cNvPr id="2" name="Заголовок 1">
             <a:extLst>
               <a:ext uri="{FF2B5EF4-FFF2-40B4-BE49-F238E27FC236}">
-                <a16:creationId xmlns:a16="http://schemas.microsoft.com/office/drawing/2014/main" id="{7DA4C07A-0645-453E-A434-3CF596726BBF}"/>
+                <a16:creationId xmlns:a16="http://schemas.microsoft.com/office/drawing/2014/main" id="{9B4DA454-4C14-4E13-8C2B-C8B5241E651F}"/>
               </a:ext>
             </a:extLst>
           </p:cNvPr>
@@ -7864,7 +7441,7 @@
         <p:spPr>
           <a:xfrm>
             <a:off x="1141413" y="609600"/>
-            <a:ext cx="9905998" cy="993913"/>
+            <a:ext cx="9905998" cy="1113183"/>
           </a:xfrm>
         </p:spPr>
         <p:txBody>
@@ -7874,18 +7451,17 @@
             <a:pPr algn="ctr"/>
             <a:r>
               <a:rPr lang="ru-RU" b="1" dirty="0"/>
-              <a:t>Содержание</a:t>
-            </a:r>
-            <a:endParaRPr lang="ru-RU" dirty="0"/>
-          </a:p>
-        </p:txBody>
-      </p:sp>
-      <p:sp>
-        <p:nvSpPr>
-          <p:cNvPr id="4" name="Объект 3">
+              <a:t>Анализ предметной области</a:t>
+            </a:r>
+          </a:p>
+        </p:txBody>
+      </p:sp>
+      <p:sp>
+        <p:nvSpPr>
+          <p:cNvPr id="3" name="Объект 2">
             <a:extLst>
               <a:ext uri="{FF2B5EF4-FFF2-40B4-BE49-F238E27FC236}">
-                <a16:creationId xmlns:a16="http://schemas.microsoft.com/office/drawing/2014/main" id="{7B3D674F-090C-4DB2-85AB-36B59C8D44A6}"/>
+                <a16:creationId xmlns:a16="http://schemas.microsoft.com/office/drawing/2014/main" id="{2DA000AB-D2BF-4071-85CB-B34449EEDAA2}"/>
               </a:ext>
             </a:extLst>
           </p:cNvPr>
@@ -7898,8 +7474,8 @@
         </p:nvSpPr>
         <p:spPr>
           <a:xfrm>
-            <a:off x="1141413" y="1484243"/>
-            <a:ext cx="9905998" cy="4306957"/>
+            <a:off x="1141413" y="1497496"/>
+            <a:ext cx="9905998" cy="5062329"/>
           </a:xfrm>
         </p:spPr>
         <p:txBody>
@@ -7908,126 +7484,77 @@
           </a:bodyPr>
           <a:lstStyle/>
           <a:p>
-            <a:pPr algn="just"/>
-            <a:r>
-              <a:rPr lang="ru-RU" sz="2800" b="1" dirty="0"/>
-              <a:t>Анализ предметной области</a:t>
-            </a:r>
-          </a:p>
-          <a:p>
-            <a:pPr algn="just"/>
-            <a:r>
-              <a:rPr lang="ru-RU" sz="2800" b="1" dirty="0"/>
-              <a:t>Диаграммы</a:t>
-            </a:r>
-          </a:p>
-          <a:p>
-            <a:pPr algn="just"/>
-            <a:r>
-              <a:rPr lang="ru-RU" sz="2800" b="1" dirty="0"/>
-              <a:t>Программы</a:t>
-            </a:r>
-          </a:p>
-          <a:p>
-            <a:pPr algn="just"/>
-            <a:r>
-              <a:rPr lang="ru-RU" sz="2800" b="1" dirty="0"/>
-              <a:t>Работа в системе контроля версий</a:t>
-            </a:r>
-          </a:p>
-          <a:p>
-            <a:pPr algn="just"/>
-            <a:r>
-              <a:rPr lang="ru-RU" sz="2800" b="1" dirty="0"/>
-              <a:t>Отладка программного модуля</a:t>
-            </a:r>
-          </a:p>
-          <a:p>
-            <a:pPr algn="just"/>
-            <a:r>
-              <a:rPr lang="ru-RU" sz="2800" b="1" dirty="0"/>
-              <a:t>Разработка тестовых наборов и тестовых сценариев</a:t>
-            </a:r>
-          </a:p>
-          <a:p>
-            <a:pPr algn="just"/>
-            <a:r>
-              <a:rPr lang="ru-RU" sz="2800" b="1" dirty="0"/>
-              <a:t>Заключение</a:t>
-            </a:r>
+            <a:pPr marL="0" indent="0" algn="just">
+              <a:buNone/>
+            </a:pPr>
+            <a:r>
+              <a:rPr lang="ru-RU" b="1" dirty="0"/>
+              <a:t>Медицинская лаборатория предоставляет специализированные услуги по проведению исследований биоматериалов для поликлиник города. </a:t>
+            </a:r>
+          </a:p>
+          <a:p>
+            <a:pPr marL="0" indent="0" algn="just">
+              <a:buNone/>
+            </a:pPr>
+            <a:endParaRPr lang="ru-RU" b="1" dirty="0"/>
+          </a:p>
+          <a:p>
+            <a:pPr marL="0" indent="0" algn="just">
+              <a:buNone/>
+            </a:pPr>
+            <a:r>
+              <a:rPr lang="ru-RU" b="1" dirty="0"/>
+              <a:t>Ключевыми заинтересованными сторонами, участвующими в деятельности медицинской лаборатории, являются:</a:t>
+            </a:r>
+          </a:p>
+          <a:p>
+            <a:pPr marL="0" indent="0" algn="just">
+              <a:buNone/>
+            </a:pPr>
+            <a:r>
+              <a:rPr lang="ru-RU" b="1" dirty="0"/>
+              <a:t>•	Лаборанты и администраторы лаборатории, использующие десктопные приложения</a:t>
+            </a:r>
+          </a:p>
+          <a:p>
+            <a:pPr marL="0" indent="0" algn="just">
+              <a:buNone/>
+            </a:pPr>
+            <a:r>
+              <a:rPr lang="ru-RU" b="1" dirty="0"/>
+              <a:t>•	Пациенты, использующие мобильное приложение</a:t>
+            </a:r>
+          </a:p>
+          <a:p>
+            <a:pPr marL="0" indent="0" algn="just">
+              <a:buNone/>
+            </a:pPr>
+            <a:r>
+              <a:rPr lang="ru-RU" b="1" dirty="0"/>
+              <a:t>•	Врачи и медицинские работники поликлиник, заказывающие исследования и получающие результаты</a:t>
+            </a:r>
+          </a:p>
+          <a:p>
+            <a:pPr marL="0" indent="0" algn="just">
+              <a:buNone/>
+            </a:pPr>
+            <a:r>
+              <a:rPr lang="ru-RU" b="1" dirty="0"/>
+              <a:t>•	Администрация лаборатории, управляющая общей работой и финансами</a:t>
+            </a:r>
+          </a:p>
+          <a:p>
+            <a:pPr marL="0" indent="0">
+              <a:buNone/>
+            </a:pPr>
+            <a:endParaRPr lang="ru-RU" b="1" dirty="0"/>
           </a:p>
         </p:txBody>
       </p:sp>
     </p:spTree>
     <p:extLst>
       <p:ext uri="{BB962C8B-B14F-4D97-AF65-F5344CB8AC3E}">
-        <p14:creationId xmlns:p14="http://schemas.microsoft.com/office/powerpoint/2010/main" val="3136223215"/>
-      </p:ext>
-    </p:extLst>
-  </p:cSld>
-  <p:clrMapOvr>
-    <a:masterClrMapping/>
-  </p:clrMapOvr>
-</p:sld>
-</file>
-
-<file path=ppt/slides/slide20.xml><?xml version="1.0" encoding="utf-8"?>
-<p:sld xmlns:a="http://schemas.openxmlformats.org/drawingml/2006/main" xmlns:r="http://schemas.openxmlformats.org/officeDocument/2006/relationships" xmlns:p="http://schemas.openxmlformats.org/presentationml/2006/main">
-  <p:cSld>
-    <p:spTree>
-      <p:nvGrpSpPr>
-        <p:cNvPr id="1" name=""/>
-        <p:cNvGrpSpPr/>
-        <p:nvPr/>
-      </p:nvGrpSpPr>
-      <p:grpSpPr>
-        <a:xfrm>
-          <a:off x="0" y="0"/>
-          <a:ext cx="0" cy="0"/>
-          <a:chOff x="0" y="0"/>
-          <a:chExt cx="0" cy="0"/>
-        </a:xfrm>
-      </p:grpSpPr>
-      <p:sp>
-        <p:nvSpPr>
-          <p:cNvPr id="2" name="Заголовок 1">
-            <a:extLst>
-              <a:ext uri="{FF2B5EF4-FFF2-40B4-BE49-F238E27FC236}">
-                <a16:creationId xmlns:a16="http://schemas.microsoft.com/office/drawing/2014/main" id="{37A00294-ADFE-40D3-9998-37AD8872D5F4}"/>
-              </a:ext>
-            </a:extLst>
-          </p:cNvPr>
-          <p:cNvSpPr>
-            <a:spLocks noGrp="1"/>
-          </p:cNvSpPr>
-          <p:nvPr>
-            <p:ph type="title"/>
-          </p:nvPr>
-        </p:nvSpPr>
-        <p:spPr>
-          <a:xfrm>
-            <a:off x="1143001" y="2476500"/>
-            <a:ext cx="9905998" cy="1905000"/>
-          </a:xfrm>
-        </p:spPr>
-        <p:txBody>
-          <a:bodyPr>
-            <a:normAutofit fontScale="90000"/>
-          </a:bodyPr>
-          <a:lstStyle/>
-          <a:p>
-            <a:pPr algn="ctr"/>
-            <a:r>
-              <a:rPr lang="ru-RU" sz="6000" b="1" dirty="0"/>
-              <a:t>Спасибо за внимание!!!!</a:t>
-            </a:r>
-          </a:p>
-        </p:txBody>
-      </p:sp>
-    </p:spTree>
-    <p:extLst>
-      <p:ext uri="{BB962C8B-B14F-4D97-AF65-F5344CB8AC3E}">
-        <p14:creationId xmlns:p14="http://schemas.microsoft.com/office/powerpoint/2010/main" val="493435049"/>
+        <p14:creationId xmlns:p14="http://schemas.microsoft.com/office/powerpoint/2010/main" val="1391049321"/>
       </p:ext>
     </p:extLst>
   </p:cSld>
@@ -8059,7 +7586,7 @@
           <p:cNvPr id="2" name="Заголовок 1">
             <a:extLst>
               <a:ext uri="{FF2B5EF4-FFF2-40B4-BE49-F238E27FC236}">
-                <a16:creationId xmlns:a16="http://schemas.microsoft.com/office/drawing/2014/main" id="{BDF10781-3C66-4DE8-A2DA-3907FB48D6AB}"/>
+                <a16:creationId xmlns:a16="http://schemas.microsoft.com/office/drawing/2014/main" id="{7F6411D1-11A2-4C39-9829-62123FD0C5D4}"/>
               </a:ext>
             </a:extLst>
           </p:cNvPr>
@@ -8073,7 +7600,7 @@
         <p:spPr>
           <a:xfrm>
             <a:off x="1141413" y="609600"/>
-            <a:ext cx="9905998" cy="927652"/>
+            <a:ext cx="9905998" cy="940904"/>
           </a:xfrm>
         </p:spPr>
         <p:txBody>
@@ -8083,8 +7610,9 @@
             <a:pPr algn="ctr"/>
             <a:r>
               <a:rPr lang="ru-RU" b="1" dirty="0"/>
-              <a:t>Введение</a:t>
-            </a:r>
+              <a:t>Анализ предметной области</a:t>
+            </a:r>
+            <a:endParaRPr lang="ru-RU" dirty="0"/>
           </a:p>
         </p:txBody>
       </p:sp>
@@ -8093,7 +7621,7 @@
           <p:cNvPr id="3" name="Объект 2">
             <a:extLst>
               <a:ext uri="{FF2B5EF4-FFF2-40B4-BE49-F238E27FC236}">
-                <a16:creationId xmlns:a16="http://schemas.microsoft.com/office/drawing/2014/main" id="{38E99AF5-95F8-433D-A289-D3A3F49FBA8A}"/>
+                <a16:creationId xmlns:a16="http://schemas.microsoft.com/office/drawing/2014/main" id="{165527B7-EBAE-4D2E-B058-2F6A5F6BC163}"/>
               </a:ext>
             </a:extLst>
           </p:cNvPr>
@@ -8106,12 +7634,14 @@
         </p:nvSpPr>
         <p:spPr>
           <a:xfrm>
-            <a:off x="1141413" y="1722783"/>
-            <a:ext cx="9905998" cy="2411895"/>
-          </a:xfrm>
-        </p:spPr>
-        <p:txBody>
-          <a:bodyPr/>
+            <a:off x="1141413" y="1378226"/>
+            <a:ext cx="9905998" cy="5327374"/>
+          </a:xfrm>
+        </p:spPr>
+        <p:txBody>
+          <a:bodyPr>
+            <a:normAutofit/>
+          </a:bodyPr>
           <a:lstStyle/>
           <a:p>
             <a:pPr marL="0" indent="0" algn="just">
@@ -8119,15 +7649,75 @@
             </a:pPr>
             <a:r>
               <a:rPr lang="ru-RU" b="1" dirty="0"/>
-              <a:t>Целью данного модуля практики является осуществление интеграции программных модулей разрабатываемых нами систем. </a:t>
-            </a:r>
+              <a:t>Основные бизнес-процессы в медицинской лаборатории включают:</a:t>
+            </a:r>
+          </a:p>
+          <a:p>
+            <a:pPr marL="0" indent="0" algn="just">
+              <a:buNone/>
+            </a:pPr>
+            <a:r>
+              <a:rPr lang="ru-RU" b="1" dirty="0"/>
+              <a:t>•	Прием биоматериала: Биоматериал поступает в лабораторию от поликлиник города.</a:t>
+            </a:r>
+          </a:p>
+          <a:p>
+            <a:pPr marL="0" indent="0" algn="just">
+              <a:buNone/>
+            </a:pPr>
+            <a:r>
+              <a:rPr lang="ru-RU" b="1" dirty="0"/>
+              <a:t>•	Регистрация биоматериала: Биоматериалу присваиваются уникальные идентификаторы, и он регистрируется в единой базе данных лаборатории.</a:t>
+            </a:r>
+          </a:p>
+          <a:p>
+            <a:pPr marL="0" indent="0" algn="just">
+              <a:buNone/>
+            </a:pPr>
+            <a:r>
+              <a:rPr lang="ru-RU" b="1" dirty="0"/>
+              <a:t>•	Проведение исследований: выполняются различные специализированные исследования на основе типа биоматериала и заказанных исследований.</a:t>
+            </a:r>
+          </a:p>
+          <a:p>
+            <a:pPr marL="0" indent="0" algn="just">
+              <a:buNone/>
+            </a:pPr>
+            <a:r>
+              <a:rPr lang="ru-RU" b="1" dirty="0"/>
+              <a:t>•	Интерпретация результатов: Лаборанты анализируют результаты исследований и выдают отчеты, содержащие интерпретации и комментарии.</a:t>
+            </a:r>
+          </a:p>
+          <a:p>
+            <a:pPr marL="0" indent="0" algn="just">
+              <a:buNone/>
+            </a:pPr>
+            <a:r>
+              <a:rPr lang="ru-RU" b="1" dirty="0"/>
+              <a:t>•	Выдача отчетов: Отчеты предоставляются врачам, пациентам и другим заинтересованным сторонам.</a:t>
+            </a:r>
+          </a:p>
+          <a:p>
+            <a:pPr marL="0" indent="0" algn="just">
+              <a:buNone/>
+            </a:pPr>
+            <a:r>
+              <a:rPr lang="ru-RU" b="1" dirty="0"/>
+              <a:t>•	Хранение и архивирование биоматериала: Биоматериал хранится в соответствии с установленными сроками и протоколами.</a:t>
+            </a:r>
+          </a:p>
+          <a:p>
+            <a:pPr marL="0" indent="0">
+              <a:buNone/>
+            </a:pPr>
+            <a:endParaRPr lang="ru-RU" dirty="0"/>
           </a:p>
         </p:txBody>
       </p:sp>
     </p:spTree>
     <p:extLst>
       <p:ext uri="{BB962C8B-B14F-4D97-AF65-F5344CB8AC3E}">
-        <p14:creationId xmlns:p14="http://schemas.microsoft.com/office/powerpoint/2010/main" val="393755078"/>
+        <p14:creationId xmlns:p14="http://schemas.microsoft.com/office/powerpoint/2010/main" val="2560839222"/>
       </p:ext>
     </p:extLst>
   </p:cSld>
@@ -8159,7 +7749,7 @@
           <p:cNvPr id="2" name="Заголовок 1">
             <a:extLst>
               <a:ext uri="{FF2B5EF4-FFF2-40B4-BE49-F238E27FC236}">
-                <a16:creationId xmlns:a16="http://schemas.microsoft.com/office/drawing/2014/main" id="{9B4DA454-4C14-4E13-8C2B-C8B5241E651F}"/>
+                <a16:creationId xmlns:a16="http://schemas.microsoft.com/office/drawing/2014/main" id="{44FC773E-6651-43A4-AAB1-136E990A8FF1}"/>
               </a:ext>
             </a:extLst>
           </p:cNvPr>
@@ -8173,7 +7763,7 @@
         <p:spPr>
           <a:xfrm>
             <a:off x="1141413" y="609600"/>
-            <a:ext cx="9905998" cy="1113183"/>
+            <a:ext cx="9905998" cy="940904"/>
           </a:xfrm>
         </p:spPr>
         <p:txBody>
@@ -8183,110 +7773,131 @@
             <a:pPr algn="ctr"/>
             <a:r>
               <a:rPr lang="ru-RU" b="1" dirty="0"/>
-              <a:t>Анализ предметной области</a:t>
-            </a:r>
-          </a:p>
-        </p:txBody>
-      </p:sp>
-      <p:sp>
-        <p:nvSpPr>
-          <p:cNvPr id="3" name="Объект 2">
+              <a:t>Диаграммы</a:t>
+            </a:r>
+          </a:p>
+        </p:txBody>
+      </p:sp>
+      <p:pic>
+        <p:nvPicPr>
+          <p:cNvPr id="4" name="Объект 3">
             <a:extLst>
               <a:ext uri="{FF2B5EF4-FFF2-40B4-BE49-F238E27FC236}">
-                <a16:creationId xmlns:a16="http://schemas.microsoft.com/office/drawing/2014/main" id="{2DA000AB-D2BF-4071-85CB-B34449EEDAA2}"/>
+                <a16:creationId xmlns:a16="http://schemas.microsoft.com/office/drawing/2014/main" id="{D3555FDB-0D49-4F93-8F90-1EABDE4D4DE6}"/>
               </a:ext>
             </a:extLst>
           </p:cNvPr>
-          <p:cNvSpPr>
-            <a:spLocks noGrp="1"/>
-          </p:cNvSpPr>
+          <p:cNvPicPr>
+            <a:picLocks noGrp="1" noChangeAspect="1"/>
+          </p:cNvPicPr>
           <p:nvPr>
             <p:ph idx="1"/>
           </p:nvPr>
-        </p:nvSpPr>
-        <p:spPr>
-          <a:xfrm>
-            <a:off x="1141413" y="1497496"/>
-            <a:ext cx="9905998" cy="5062329"/>
-          </a:xfrm>
-        </p:spPr>
-        <p:txBody>
-          <a:bodyPr>
-            <a:normAutofit/>
+        </p:nvPicPr>
+        <p:blipFill>
+          <a:blip r:embed="rId2"/>
+          <a:stretch>
+            <a:fillRect/>
+          </a:stretch>
+        </p:blipFill>
+        <p:spPr>
+          <a:xfrm>
+            <a:off x="1141413" y="2023342"/>
+            <a:ext cx="4176699" cy="4347317"/>
+          </a:xfrm>
+          <a:prstGeom prst="rect">
+            <a:avLst/>
+          </a:prstGeom>
+        </p:spPr>
+      </p:pic>
+      <p:pic>
+        <p:nvPicPr>
+          <p:cNvPr id="5" name="Рисунок 4">
+            <a:extLst>
+              <a:ext uri="{FF2B5EF4-FFF2-40B4-BE49-F238E27FC236}">
+                <a16:creationId xmlns:a16="http://schemas.microsoft.com/office/drawing/2014/main" id="{5876B962-40B8-412F-B4EA-602F164082B6}"/>
+              </a:ext>
+            </a:extLst>
+          </p:cNvPr>
+          <p:cNvPicPr/>
+          <p:nvPr/>
+        </p:nvPicPr>
+        <p:blipFill rotWithShape="1">
+          <a:blip r:embed="rId3" cstate="print">
+            <a:extLst>
+              <a:ext uri="{28A0092B-C50C-407E-A947-70E740481C1C}">
+                <a14:useLocalDpi xmlns:a14="http://schemas.microsoft.com/office/drawing/2010/main" val="0"/>
+              </a:ext>
+            </a:extLst>
+          </a:blip>
+          <a:srcRect l="26578" t="29329" r="20857" b="21871"/>
+          <a:stretch/>
+        </p:blipFill>
+        <p:spPr bwMode="auto">
+          <a:xfrm>
+            <a:off x="6324600" y="2344830"/>
+            <a:ext cx="3609109" cy="3903570"/>
+          </a:xfrm>
+          <a:prstGeom prst="rect">
+            <a:avLst/>
+          </a:prstGeom>
+          <a:ln>
+            <a:noFill/>
+          </a:ln>
+          <a:effectLst>
+            <a:outerShdw blurRad="190500" algn="tl" rotWithShape="0">
+              <a:srgbClr val="000000">
+                <a:alpha val="70000"/>
+              </a:srgbClr>
+            </a:outerShdw>
+          </a:effectLst>
+          <a:extLst>
+            <a:ext uri="{53640926-AAD7-44D8-BBD7-CCE9431645EC}">
+              <a14:shadowObscured xmlns:a14="http://schemas.microsoft.com/office/drawing/2010/main"/>
+            </a:ext>
+          </a:extLst>
+        </p:spPr>
+      </p:pic>
+      <p:sp>
+        <p:nvSpPr>
+          <p:cNvPr id="3" name="TextBox 2">
+            <a:extLst>
+              <a:ext uri="{FF2B5EF4-FFF2-40B4-BE49-F238E27FC236}">
+                <a16:creationId xmlns:a16="http://schemas.microsoft.com/office/drawing/2014/main" id="{9663C29A-54E6-4BA4-B909-2422A8BE968A}"/>
+              </a:ext>
+            </a:extLst>
+          </p:cNvPr>
+          <p:cNvSpPr txBox="1"/>
+          <p:nvPr/>
+        </p:nvSpPr>
+        <p:spPr>
+          <a:xfrm>
+            <a:off x="1011382" y="1550504"/>
+            <a:ext cx="9171709" cy="369332"/>
+          </a:xfrm>
+          <a:prstGeom prst="rect">
+            <a:avLst/>
+          </a:prstGeom>
+          <a:noFill/>
+        </p:spPr>
+        <p:txBody>
+          <a:bodyPr wrap="square" rtlCol="0">
+            <a:spAutoFit/>
           </a:bodyPr>
           <a:lstStyle/>
           <a:p>
-            <a:pPr marL="0" indent="0" algn="just">
-              <a:buNone/>
-            </a:pPr>
+            <a:pPr algn="just"/>
             <a:r>
               <a:rPr lang="ru-RU" b="1" dirty="0"/>
-              <a:t>Медицинская лаборатория предоставляет специализированные услуги по проведению исследований биоматериалов для поликлиник города. </a:t>
-            </a:r>
-          </a:p>
-          <a:p>
-            <a:pPr marL="0" indent="0" algn="just">
-              <a:buNone/>
-            </a:pPr>
-            <a:endParaRPr lang="ru-RU" b="1" dirty="0"/>
-          </a:p>
-          <a:p>
-            <a:pPr marL="0" indent="0" algn="just">
-              <a:buNone/>
-            </a:pPr>
-            <a:r>
-              <a:rPr lang="ru-RU" b="1" dirty="0"/>
-              <a:t>Ключевыми заинтересованными сторонами, участвующими в деятельности медицинской лаборатории, являются:</a:t>
-            </a:r>
-          </a:p>
-          <a:p>
-            <a:pPr marL="0" indent="0" algn="just">
-              <a:buNone/>
-            </a:pPr>
-            <a:r>
-              <a:rPr lang="ru-RU" b="1" dirty="0"/>
-              <a:t>•	Лаборанты и администраторы лаборатории, использующие десктопные приложения</a:t>
-            </a:r>
-          </a:p>
-          <a:p>
-            <a:pPr marL="0" indent="0" algn="just">
-              <a:buNone/>
-            </a:pPr>
-            <a:r>
-              <a:rPr lang="ru-RU" b="1" dirty="0"/>
-              <a:t>•	Пациенты, использующие мобильное приложение</a:t>
-            </a:r>
-          </a:p>
-          <a:p>
-            <a:pPr marL="0" indent="0" algn="just">
-              <a:buNone/>
-            </a:pPr>
-            <a:r>
-              <a:rPr lang="ru-RU" b="1" dirty="0"/>
-              <a:t>•	Врачи и медицинские работники поликлиник, заказывающие исследования и получающие результаты</a:t>
-            </a:r>
-          </a:p>
-          <a:p>
-            <a:pPr marL="0" indent="0" algn="just">
-              <a:buNone/>
-            </a:pPr>
-            <a:r>
-              <a:rPr lang="ru-RU" b="1" dirty="0"/>
-              <a:t>•	Администрация лаборатории, управляющая общей работой и финансами</a:t>
-            </a:r>
-          </a:p>
-          <a:p>
-            <a:pPr marL="0" indent="0">
-              <a:buNone/>
-            </a:pPr>
-            <a:endParaRPr lang="ru-RU" b="1" dirty="0"/>
+              <a:t>Концептуальная модель и диаграмма деятельности</a:t>
+            </a:r>
           </a:p>
         </p:txBody>
       </p:sp>
     </p:spTree>
     <p:extLst>
       <p:ext uri="{BB962C8B-B14F-4D97-AF65-F5344CB8AC3E}">
-        <p14:creationId xmlns:p14="http://schemas.microsoft.com/office/powerpoint/2010/main" val="1391049321"/>
+        <p14:creationId xmlns:p14="http://schemas.microsoft.com/office/powerpoint/2010/main" val="1064052900"/>
       </p:ext>
     </p:extLst>
   </p:cSld>
@@ -8318,7 +7929,7 @@
           <p:cNvPr id="2" name="Заголовок 1">
             <a:extLst>
               <a:ext uri="{FF2B5EF4-FFF2-40B4-BE49-F238E27FC236}">
-                <a16:creationId xmlns:a16="http://schemas.microsoft.com/office/drawing/2014/main" id="{7F6411D1-11A2-4C39-9829-62123FD0C5D4}"/>
+                <a16:creationId xmlns:a16="http://schemas.microsoft.com/office/drawing/2014/main" id="{8D6D544C-F209-4356-BB6C-5BCC66B56D32}"/>
               </a:ext>
             </a:extLst>
           </p:cNvPr>
@@ -8332,7 +7943,7 @@
         <p:spPr>
           <a:xfrm>
             <a:off x="1141413" y="609600"/>
-            <a:ext cx="9905998" cy="940904"/>
+            <a:ext cx="9905998" cy="952500"/>
           </a:xfrm>
         </p:spPr>
         <p:txBody>
@@ -8342,114 +7953,156 @@
             <a:pPr algn="ctr"/>
             <a:r>
               <a:rPr lang="ru-RU" b="1" dirty="0"/>
-              <a:t>Анализ предметной области</a:t>
+              <a:t>Диаграммы</a:t>
             </a:r>
             <a:endParaRPr lang="ru-RU" dirty="0"/>
           </a:p>
         </p:txBody>
       </p:sp>
-      <p:sp>
-        <p:nvSpPr>
-          <p:cNvPr id="3" name="Объект 2">
+      <p:pic>
+        <p:nvPicPr>
+          <p:cNvPr id="4" name="Объект 3">
             <a:extLst>
               <a:ext uri="{FF2B5EF4-FFF2-40B4-BE49-F238E27FC236}">
-                <a16:creationId xmlns:a16="http://schemas.microsoft.com/office/drawing/2014/main" id="{165527B7-EBAE-4D2E-B058-2F6A5F6BC163}"/>
+                <a16:creationId xmlns:a16="http://schemas.microsoft.com/office/drawing/2014/main" id="{525C1940-D3BF-4FEC-A74E-0F647FCB6B88}"/>
               </a:ext>
             </a:extLst>
           </p:cNvPr>
-          <p:cNvSpPr>
-            <a:spLocks noGrp="1"/>
-          </p:cNvSpPr>
+          <p:cNvPicPr>
+            <a:picLocks noGrp="1"/>
+          </p:cNvPicPr>
           <p:nvPr>
             <p:ph idx="1"/>
           </p:nvPr>
-        </p:nvSpPr>
-        <p:spPr>
-          <a:xfrm>
-            <a:off x="1141413" y="1378226"/>
-            <a:ext cx="9905998" cy="5327374"/>
-          </a:xfrm>
-        </p:spPr>
-        <p:txBody>
-          <a:bodyPr>
-            <a:normAutofit/>
+        </p:nvPicPr>
+        <p:blipFill rotWithShape="1">
+          <a:blip r:embed="rId2" cstate="print">
+            <a:extLst>
+              <a:ext uri="{28A0092B-C50C-407E-A947-70E740481C1C}">
+                <a14:useLocalDpi xmlns:a14="http://schemas.microsoft.com/office/drawing/2010/main" val="0"/>
+              </a:ext>
+            </a:extLst>
+          </a:blip>
+          <a:srcRect t="10754" r="7528" b="13557"/>
+          <a:stretch/>
+        </p:blipFill>
+        <p:spPr bwMode="auto">
+          <a:xfrm>
+            <a:off x="570535" y="2036618"/>
+            <a:ext cx="4098448" cy="4567382"/>
+          </a:xfrm>
+          <a:prstGeom prst="rect">
+            <a:avLst/>
+          </a:prstGeom>
+          <a:ln>
+            <a:noFill/>
+          </a:ln>
+          <a:effectLst>
+            <a:outerShdw blurRad="190500" algn="tl" rotWithShape="0">
+              <a:srgbClr val="000000">
+                <a:alpha val="70000"/>
+              </a:srgbClr>
+            </a:outerShdw>
+          </a:effectLst>
+          <a:extLst>
+            <a:ext uri="{53640926-AAD7-44D8-BBD7-CCE9431645EC}">
+              <a14:shadowObscured xmlns:a14="http://schemas.microsoft.com/office/drawing/2010/main"/>
+            </a:ext>
+          </a:extLst>
+        </p:spPr>
+      </p:pic>
+      <p:pic>
+        <p:nvPicPr>
+          <p:cNvPr id="5" name="Рисунок 4">
+            <a:extLst>
+              <a:ext uri="{FF2B5EF4-FFF2-40B4-BE49-F238E27FC236}">
+                <a16:creationId xmlns:a16="http://schemas.microsoft.com/office/drawing/2014/main" id="{420D7772-3FCD-4F84-B78F-3FC22EB04917}"/>
+              </a:ext>
+            </a:extLst>
+          </p:cNvPr>
+          <p:cNvPicPr/>
+          <p:nvPr/>
+        </p:nvPicPr>
+        <p:blipFill rotWithShape="1">
+          <a:blip r:embed="rId3" cstate="print">
+            <a:extLst>
+              <a:ext uri="{28A0092B-C50C-407E-A947-70E740481C1C}">
+                <a14:useLocalDpi xmlns:a14="http://schemas.microsoft.com/office/drawing/2010/main" val="0"/>
+              </a:ext>
+            </a:extLst>
+          </a:blip>
+          <a:srcRect l="17925" t="3770" r="21188" b="32479"/>
+          <a:stretch/>
+        </p:blipFill>
+        <p:spPr bwMode="auto">
+          <a:xfrm>
+            <a:off x="6452870" y="2036618"/>
+            <a:ext cx="4395239" cy="4567382"/>
+          </a:xfrm>
+          <a:prstGeom prst="rect">
+            <a:avLst/>
+          </a:prstGeom>
+          <a:ln>
+            <a:noFill/>
+          </a:ln>
+          <a:effectLst>
+            <a:outerShdw blurRad="190500" algn="tl" rotWithShape="0">
+              <a:srgbClr val="000000">
+                <a:alpha val="70000"/>
+              </a:srgbClr>
+            </a:outerShdw>
+          </a:effectLst>
+          <a:extLst>
+            <a:ext uri="{53640926-AAD7-44D8-BBD7-CCE9431645EC}">
+              <a14:shadowObscured xmlns:a14="http://schemas.microsoft.com/office/drawing/2010/main"/>
+            </a:ext>
+          </a:extLst>
+        </p:spPr>
+      </p:pic>
+      <p:sp>
+        <p:nvSpPr>
+          <p:cNvPr id="6" name="TextBox 5">
+            <a:extLst>
+              <a:ext uri="{FF2B5EF4-FFF2-40B4-BE49-F238E27FC236}">
+                <a16:creationId xmlns:a16="http://schemas.microsoft.com/office/drawing/2014/main" id="{CDE006B6-FC69-49C7-A2B1-23C5470F6FB3}"/>
+              </a:ext>
+            </a:extLst>
+          </p:cNvPr>
+          <p:cNvSpPr txBox="1"/>
+          <p:nvPr/>
+        </p:nvSpPr>
+        <p:spPr>
+          <a:xfrm>
+            <a:off x="1011382" y="1550504"/>
+            <a:ext cx="9171709" cy="369332"/>
+          </a:xfrm>
+          <a:prstGeom prst="rect">
+            <a:avLst/>
+          </a:prstGeom>
+          <a:noFill/>
+        </p:spPr>
+        <p:txBody>
+          <a:bodyPr wrap="square" rtlCol="0">
+            <a:spAutoFit/>
           </a:bodyPr>
           <a:lstStyle/>
           <a:p>
-            <a:pPr marL="0" indent="0" algn="just">
-              <a:buNone/>
-            </a:pPr>
+            <a:pPr algn="just"/>
+            <a:r>
+              <a:rPr lang="en-US" b="1" dirty="0"/>
+              <a:t>ER </a:t>
+            </a:r>
             <a:r>
               <a:rPr lang="ru-RU" b="1" dirty="0"/>
-              <a:t>Основные бизнес-процессы в медицинской лаборатории включают:</a:t>
-            </a:r>
-          </a:p>
-          <a:p>
-            <a:pPr marL="0" indent="0" algn="just">
-              <a:buNone/>
-            </a:pPr>
-            <a:r>
-              <a:rPr lang="ru-RU" b="1" dirty="0"/>
-              <a:t>•	Прием биоматериала: Биоматериал поступает в лабораторию от поликлиник города.</a:t>
-            </a:r>
-          </a:p>
-          <a:p>
-            <a:pPr marL="0" indent="0" algn="just">
-              <a:buNone/>
-            </a:pPr>
-            <a:r>
-              <a:rPr lang="ru-RU" b="1" dirty="0"/>
-              <a:t>•	Регистрация биоматериала: Биоматериалу присваиваются уникальные идентификаторы, и он регистрируется в единой базе данных лаборатории.</a:t>
-            </a:r>
-          </a:p>
-          <a:p>
-            <a:pPr marL="0" indent="0" algn="just">
-              <a:buNone/>
-            </a:pPr>
-            <a:r>
-              <a:rPr lang="ru-RU" b="1" dirty="0"/>
-              <a:t>•	Проведение исследований: выполняются различные специализированные исследования на основе типа биоматериала и заказанных исследований.</a:t>
-            </a:r>
-          </a:p>
-          <a:p>
-            <a:pPr marL="0" indent="0" algn="just">
-              <a:buNone/>
-            </a:pPr>
-            <a:r>
-              <a:rPr lang="ru-RU" b="1" dirty="0"/>
-              <a:t>•	Интерпретация результатов: Лаборанты анализируют результаты исследований и выдают отчеты, содержащие интерпретации и комментарии.</a:t>
-            </a:r>
-          </a:p>
-          <a:p>
-            <a:pPr marL="0" indent="0" algn="just">
-              <a:buNone/>
-            </a:pPr>
-            <a:r>
-              <a:rPr lang="ru-RU" b="1" dirty="0"/>
-              <a:t>•	Выдача отчетов: Отчеты предоставляются врачам, пациентам и другим заинтересованным сторонам.</a:t>
-            </a:r>
-          </a:p>
-          <a:p>
-            <a:pPr marL="0" indent="0" algn="just">
-              <a:buNone/>
-            </a:pPr>
-            <a:r>
-              <a:rPr lang="ru-RU" b="1" dirty="0"/>
-              <a:t>•	Хранение и архивирование биоматериала: Биоматериал хранится в соответствии с установленными сроками и протоколами.</a:t>
-            </a:r>
-          </a:p>
-          <a:p>
-            <a:pPr marL="0" indent="0">
-              <a:buNone/>
-            </a:pPr>
-            <a:endParaRPr lang="ru-RU" dirty="0"/>
+              <a:t>диаграмма ИС «Аптека»  и диаграмма последовательности</a:t>
+            </a:r>
           </a:p>
         </p:txBody>
       </p:sp>
     </p:spTree>
     <p:extLst>
       <p:ext uri="{BB962C8B-B14F-4D97-AF65-F5344CB8AC3E}">
-        <p14:creationId xmlns:p14="http://schemas.microsoft.com/office/powerpoint/2010/main" val="2560839222"/>
+        <p14:creationId xmlns:p14="http://schemas.microsoft.com/office/powerpoint/2010/main" val="304789413"/>
       </p:ext>
     </p:extLst>
   </p:cSld>
@@ -8481,7 +8134,7 @@
           <p:cNvPr id="2" name="Заголовок 1">
             <a:extLst>
               <a:ext uri="{FF2B5EF4-FFF2-40B4-BE49-F238E27FC236}">
-                <a16:creationId xmlns:a16="http://schemas.microsoft.com/office/drawing/2014/main" id="{44FC773E-6651-43A4-AAB1-136E990A8FF1}"/>
+                <a16:creationId xmlns:a16="http://schemas.microsoft.com/office/drawing/2014/main" id="{2240E375-D4E6-4C96-86A7-D3F6D99DF2EA}"/>
               </a:ext>
             </a:extLst>
           </p:cNvPr>
@@ -8495,7 +8148,7 @@
         <p:spPr>
           <a:xfrm>
             <a:off x="1141413" y="609600"/>
-            <a:ext cx="9905998" cy="940904"/>
+            <a:ext cx="9905998" cy="1041400"/>
           </a:xfrm>
         </p:spPr>
         <p:txBody>
@@ -8507,6 +8160,7 @@
               <a:rPr lang="ru-RU" b="1" dirty="0"/>
               <a:t>Диаграммы</a:t>
             </a:r>
+            <a:endParaRPr lang="ru-RU" dirty="0"/>
           </a:p>
         </p:txBody>
       </p:sp>
@@ -8515,60 +8169,33 @@
           <p:cNvPr id="4" name="Объект 3">
             <a:extLst>
               <a:ext uri="{FF2B5EF4-FFF2-40B4-BE49-F238E27FC236}">
-                <a16:creationId xmlns:a16="http://schemas.microsoft.com/office/drawing/2014/main" id="{D3555FDB-0D49-4F93-8F90-1EABDE4D4DE6}"/>
+                <a16:creationId xmlns:a16="http://schemas.microsoft.com/office/drawing/2014/main" id="{D23BFF68-D0C2-4D88-A7CB-FEE7F24EE30E}"/>
               </a:ext>
             </a:extLst>
           </p:cNvPr>
           <p:cNvPicPr>
-            <a:picLocks noGrp="1" noChangeAspect="1"/>
+            <a:picLocks noGrp="1"/>
           </p:cNvPicPr>
           <p:nvPr>
             <p:ph idx="1"/>
           </p:nvPr>
         </p:nvPicPr>
         <p:blipFill>
-          <a:blip r:embed="rId2"/>
-          <a:stretch>
-            <a:fillRect/>
-          </a:stretch>
-        </p:blipFill>
-        <p:spPr>
-          <a:xfrm>
-            <a:off x="715755" y="1152938"/>
-            <a:ext cx="5212989" cy="5425940"/>
-          </a:xfrm>
-          <a:prstGeom prst="rect">
-            <a:avLst/>
-          </a:prstGeom>
-        </p:spPr>
-      </p:pic>
-      <p:pic>
-        <p:nvPicPr>
-          <p:cNvPr id="5" name="Рисунок 4">
-            <a:extLst>
-              <a:ext uri="{FF2B5EF4-FFF2-40B4-BE49-F238E27FC236}">
-                <a16:creationId xmlns:a16="http://schemas.microsoft.com/office/drawing/2014/main" id="{5876B962-40B8-412F-B4EA-602F164082B6}"/>
-              </a:ext>
-            </a:extLst>
-          </p:cNvPr>
-          <p:cNvPicPr/>
-          <p:nvPr/>
-        </p:nvPicPr>
-        <p:blipFill rotWithShape="1">
-          <a:blip r:embed="rId3" cstate="print">
+          <a:blip r:embed="rId2" cstate="print">
             <a:extLst>
               <a:ext uri="{28A0092B-C50C-407E-A947-70E740481C1C}">
                 <a14:useLocalDpi xmlns:a14="http://schemas.microsoft.com/office/drawing/2010/main" val="0"/>
               </a:ext>
             </a:extLst>
           </a:blip>
-          <a:srcRect l="26578" t="29329" r="20857" b="21871"/>
-          <a:stretch/>
+          <a:stretch>
+            <a:fillRect/>
+          </a:stretch>
         </p:blipFill>
-        <p:spPr bwMode="auto">
-          <a:xfrm>
-            <a:off x="6629400" y="1361157"/>
-            <a:ext cx="4843669" cy="5009502"/>
+        <p:spPr>
+          <a:xfrm>
+            <a:off x="1809768" y="2369127"/>
+            <a:ext cx="8572464" cy="4130964"/>
           </a:xfrm>
           <a:prstGeom prst="rect">
             <a:avLst/>
@@ -8583,17 +8210,48 @@
               </a:srgbClr>
             </a:outerShdw>
           </a:effectLst>
-          <a:extLst>
-            <a:ext uri="{53640926-AAD7-44D8-BBD7-CCE9431645EC}">
-              <a14:shadowObscured xmlns:a14="http://schemas.microsoft.com/office/drawing/2010/main"/>
-            </a:ext>
-          </a:extLst>
         </p:spPr>
       </p:pic>
+      <p:sp>
+        <p:nvSpPr>
+          <p:cNvPr id="5" name="TextBox 4">
+            <a:extLst>
+              <a:ext uri="{FF2B5EF4-FFF2-40B4-BE49-F238E27FC236}">
+                <a16:creationId xmlns:a16="http://schemas.microsoft.com/office/drawing/2014/main" id="{6D281007-1408-4ECF-844E-0A6B354DD1F1}"/>
+              </a:ext>
+            </a:extLst>
+          </p:cNvPr>
+          <p:cNvSpPr txBox="1"/>
+          <p:nvPr/>
+        </p:nvSpPr>
+        <p:spPr>
+          <a:xfrm>
+            <a:off x="1011382" y="1550504"/>
+            <a:ext cx="9171709" cy="369332"/>
+          </a:xfrm>
+          <a:prstGeom prst="rect">
+            <a:avLst/>
+          </a:prstGeom>
+          <a:noFill/>
+        </p:spPr>
+        <p:txBody>
+          <a:bodyPr wrap="square" rtlCol="0">
+            <a:spAutoFit/>
+          </a:bodyPr>
+          <a:lstStyle/>
+          <a:p>
+            <a:pPr algn="just"/>
+            <a:r>
+              <a:rPr lang="ru-RU" b="1" dirty="0"/>
+              <a:t>Диаграмма вариантов использования</a:t>
+            </a:r>
+          </a:p>
+        </p:txBody>
+      </p:sp>
     </p:spTree>
     <p:extLst>
       <p:ext uri="{BB962C8B-B14F-4D97-AF65-F5344CB8AC3E}">
-        <p14:creationId xmlns:p14="http://schemas.microsoft.com/office/powerpoint/2010/main" val="1064052900"/>
+        <p14:creationId xmlns:p14="http://schemas.microsoft.com/office/powerpoint/2010/main" val="3038644373"/>
       </p:ext>
     </p:extLst>
   </p:cSld>
@@ -8625,7 +8283,7 @@
           <p:cNvPr id="2" name="Заголовок 1">
             <a:extLst>
               <a:ext uri="{FF2B5EF4-FFF2-40B4-BE49-F238E27FC236}">
-                <a16:creationId xmlns:a16="http://schemas.microsoft.com/office/drawing/2014/main" id="{8D6D544C-F209-4356-BB6C-5BCC66B56D32}"/>
+                <a16:creationId xmlns:a16="http://schemas.microsoft.com/office/drawing/2014/main" id="{EE6961D8-5D1D-462A-950D-524494237043}"/>
               </a:ext>
             </a:extLst>
           </p:cNvPr>
@@ -8639,7 +8297,7 @@
         <p:spPr>
           <a:xfrm>
             <a:off x="1141413" y="609600"/>
-            <a:ext cx="9905998" cy="952500"/>
+            <a:ext cx="9905998" cy="838200"/>
           </a:xfrm>
         </p:spPr>
         <p:txBody>
@@ -8660,7 +8318,7 @@
           <p:cNvPr id="4" name="Объект 3">
             <a:extLst>
               <a:ext uri="{FF2B5EF4-FFF2-40B4-BE49-F238E27FC236}">
-                <a16:creationId xmlns:a16="http://schemas.microsoft.com/office/drawing/2014/main" id="{525C1940-D3BF-4FEC-A74E-0F647FCB6B88}"/>
+                <a16:creationId xmlns:a16="http://schemas.microsoft.com/office/drawing/2014/main" id="{26DFE6A4-BA87-42B5-8A71-44C7C0C835B6}"/>
               </a:ext>
             </a:extLst>
           </p:cNvPr>
@@ -8679,13 +8337,13 @@
               </a:ext>
             </a:extLst>
           </a:blip>
-          <a:srcRect t="10754" r="7528" b="13557"/>
+          <a:srcRect r="45907"/>
           <a:stretch/>
         </p:blipFill>
         <p:spPr bwMode="auto">
           <a:xfrm>
-            <a:off x="570534" y="1473200"/>
-            <a:ext cx="4941265" cy="5130800"/>
+            <a:off x="3763296" y="1967344"/>
+            <a:ext cx="4665408" cy="4574309"/>
           </a:xfrm>
           <a:prstGeom prst="rect">
             <a:avLst/>
@@ -8707,58 +8365,51 @@
           </a:extLst>
         </p:spPr>
       </p:pic>
-      <p:pic>
-        <p:nvPicPr>
-          <p:cNvPr id="5" name="Рисунок 4">
+      <p:sp>
+        <p:nvSpPr>
+          <p:cNvPr id="5" name="TextBox 4">
             <a:extLst>
               <a:ext uri="{FF2B5EF4-FFF2-40B4-BE49-F238E27FC236}">
-                <a16:creationId xmlns:a16="http://schemas.microsoft.com/office/drawing/2014/main" id="{420D7772-3FCD-4F84-B78F-3FC22EB04917}"/>
+                <a16:creationId xmlns:a16="http://schemas.microsoft.com/office/drawing/2014/main" id="{79AB946D-ADAE-48D8-B603-910E1E8D294C}"/>
               </a:ext>
             </a:extLst>
           </p:cNvPr>
-          <p:cNvPicPr/>
+          <p:cNvSpPr txBox="1"/>
           <p:nvPr/>
-        </p:nvPicPr>
-        <p:blipFill rotWithShape="1">
-          <a:blip r:embed="rId3" cstate="print">
-            <a:extLst>
-              <a:ext uri="{28A0092B-C50C-407E-A947-70E740481C1C}">
-                <a14:useLocalDpi xmlns:a14="http://schemas.microsoft.com/office/drawing/2010/main" val="0"/>
-              </a:ext>
-            </a:extLst>
-          </a:blip>
-          <a:srcRect l="17925" t="3770" r="21188" b="32479"/>
-          <a:stretch/>
-        </p:blipFill>
-        <p:spPr bwMode="auto">
-          <a:xfrm>
-            <a:off x="6452870" y="1473200"/>
-            <a:ext cx="4697730" cy="5130800"/>
+        </p:nvSpPr>
+        <p:spPr>
+          <a:xfrm>
+            <a:off x="1011382" y="1550504"/>
+            <a:ext cx="9171709" cy="369332"/>
           </a:xfrm>
           <a:prstGeom prst="rect">
             <a:avLst/>
           </a:prstGeom>
-          <a:ln>
-            <a:noFill/>
-          </a:ln>
-          <a:effectLst>
-            <a:outerShdw blurRad="190500" algn="tl" rotWithShape="0">
-              <a:srgbClr val="000000">
-                <a:alpha val="70000"/>
-              </a:srgbClr>
-            </a:outerShdw>
-          </a:effectLst>
-          <a:extLst>
-            <a:ext uri="{53640926-AAD7-44D8-BBD7-CCE9431645EC}">
-              <a14:shadowObscured xmlns:a14="http://schemas.microsoft.com/office/drawing/2010/main"/>
-            </a:ext>
-          </a:extLst>
-        </p:spPr>
-      </p:pic>
+          <a:noFill/>
+        </p:spPr>
+        <p:txBody>
+          <a:bodyPr wrap="square" rtlCol="0">
+            <a:spAutoFit/>
+          </a:bodyPr>
+          <a:lstStyle/>
+          <a:p>
+            <a:pPr algn="just"/>
+            <a:r>
+              <a:rPr lang="ru-RU" b="1" dirty="0"/>
+              <a:t>Диаграмма базы данных в </a:t>
+            </a:r>
+            <a:r>
+              <a:rPr lang="en-US" b="1" dirty="0"/>
+              <a:t>SQL Server</a:t>
+            </a:r>
+            <a:endParaRPr lang="ru-RU" b="1" dirty="0"/>
+          </a:p>
+        </p:txBody>
+      </p:sp>
     </p:spTree>
     <p:extLst>
       <p:ext uri="{BB962C8B-B14F-4D97-AF65-F5344CB8AC3E}">
-        <p14:creationId xmlns:p14="http://schemas.microsoft.com/office/powerpoint/2010/main" val="304789413"/>
+        <p14:creationId xmlns:p14="http://schemas.microsoft.com/office/powerpoint/2010/main" val="434954365"/>
       </p:ext>
     </p:extLst>
   </p:cSld>
@@ -8790,7 +8441,7 @@
           <p:cNvPr id="2" name="Заголовок 1">
             <a:extLst>
               <a:ext uri="{FF2B5EF4-FFF2-40B4-BE49-F238E27FC236}">
-                <a16:creationId xmlns:a16="http://schemas.microsoft.com/office/drawing/2014/main" id="{2240E375-D4E6-4C96-86A7-D3F6D99DF2EA}"/>
+                <a16:creationId xmlns:a16="http://schemas.microsoft.com/office/drawing/2014/main" id="{64FF75FE-4BEE-4728-86F5-AB1839BF79E7}"/>
               </a:ext>
             </a:extLst>
           </p:cNvPr>
@@ -8804,7 +8455,7 @@
         <p:spPr>
           <a:xfrm>
             <a:off x="1141413" y="609600"/>
-            <a:ext cx="9905998" cy="1041400"/>
+            <a:ext cx="9905998" cy="749300"/>
           </a:xfrm>
         </p:spPr>
         <p:txBody>
@@ -8813,8 +8464,8 @@
           <a:p>
             <a:pPr algn="ctr"/>
             <a:r>
-              <a:rPr lang="ru-RU" b="1" dirty="0"/>
-              <a:t>Диаграммы</a:t>
+              <a:rPr lang="ru-RU" sz="3200" b="1" dirty="0"/>
+              <a:t>Программы</a:t>
             </a:r>
             <a:endParaRPr lang="ru-RU" dirty="0"/>
           </a:p>
@@ -8822,10 +8473,10 @@
       </p:sp>
       <p:pic>
         <p:nvPicPr>
-          <p:cNvPr id="4" name="Объект 3">
+          <p:cNvPr id="4" name="image5.png">
             <a:extLst>
               <a:ext uri="{FF2B5EF4-FFF2-40B4-BE49-F238E27FC236}">
-                <a16:creationId xmlns:a16="http://schemas.microsoft.com/office/drawing/2014/main" id="{D23BFF68-D0C2-4D88-A7CB-FEE7F24EE30E}"/>
+                <a16:creationId xmlns:a16="http://schemas.microsoft.com/office/drawing/2014/main" id="{237261D9-7FE6-407E-B9E8-6B1669ABB964}"/>
               </a:ext>
             </a:extLst>
           </p:cNvPr>
@@ -8837,21 +8488,16 @@
           </p:nvPr>
         </p:nvPicPr>
         <p:blipFill>
-          <a:blip r:embed="rId2" cstate="print">
-            <a:extLst>
-              <a:ext uri="{28A0092B-C50C-407E-A947-70E740481C1C}">
-                <a14:useLocalDpi xmlns:a14="http://schemas.microsoft.com/office/drawing/2010/main" val="0"/>
-              </a:ext>
-            </a:extLst>
-          </a:blip>
+          <a:blip r:embed="rId2"/>
+          <a:srcRect/>
           <a:stretch>
             <a:fillRect/>
           </a:stretch>
         </p:blipFill>
         <p:spPr>
           <a:xfrm>
-            <a:off x="1278118" y="1524000"/>
-            <a:ext cx="9905998" cy="5003800"/>
+            <a:off x="1627981" y="1490343"/>
+            <a:ext cx="2552700" cy="1476375"/>
           </a:xfrm>
           <a:prstGeom prst="rect">
             <a:avLst/>
@@ -8868,10 +8514,127 @@
           </a:effectLst>
         </p:spPr>
       </p:pic>
+      <p:pic>
+        <p:nvPicPr>
+          <p:cNvPr id="5" name="image2.png">
+            <a:extLst>
+              <a:ext uri="{FF2B5EF4-FFF2-40B4-BE49-F238E27FC236}">
+                <a16:creationId xmlns:a16="http://schemas.microsoft.com/office/drawing/2014/main" id="{21D5020D-CBA5-4D87-B7FA-2378F8D81008}"/>
+              </a:ext>
+            </a:extLst>
+          </p:cNvPr>
+          <p:cNvPicPr/>
+          <p:nvPr/>
+        </p:nvPicPr>
+        <p:blipFill>
+          <a:blip r:embed="rId3"/>
+          <a:srcRect/>
+          <a:stretch>
+            <a:fillRect/>
+          </a:stretch>
+        </p:blipFill>
+        <p:spPr>
+          <a:xfrm>
+            <a:off x="6540182" y="1490343"/>
+            <a:ext cx="4089718" cy="1725613"/>
+          </a:xfrm>
+          <a:prstGeom prst="rect">
+            <a:avLst/>
+          </a:prstGeom>
+          <a:ln>
+            <a:noFill/>
+          </a:ln>
+          <a:effectLst>
+            <a:outerShdw blurRad="190500" algn="tl" rotWithShape="0">
+              <a:srgbClr val="000000">
+                <a:alpha val="70000"/>
+              </a:srgbClr>
+            </a:outerShdw>
+          </a:effectLst>
+        </p:spPr>
+      </p:pic>
+      <p:pic>
+        <p:nvPicPr>
+          <p:cNvPr id="6" name="image12.png">
+            <a:extLst>
+              <a:ext uri="{FF2B5EF4-FFF2-40B4-BE49-F238E27FC236}">
+                <a16:creationId xmlns:a16="http://schemas.microsoft.com/office/drawing/2014/main" id="{2FC705D3-EA21-415A-9111-10C99BC695E7}"/>
+              </a:ext>
+            </a:extLst>
+          </p:cNvPr>
+          <p:cNvPicPr/>
+          <p:nvPr/>
+        </p:nvPicPr>
+        <p:blipFill>
+          <a:blip r:embed="rId4"/>
+          <a:srcRect/>
+          <a:stretch>
+            <a:fillRect/>
+          </a:stretch>
+        </p:blipFill>
+        <p:spPr>
+          <a:xfrm>
+            <a:off x="525463" y="3284537"/>
+            <a:ext cx="4757737" cy="3285808"/>
+          </a:xfrm>
+          <a:prstGeom prst="rect">
+            <a:avLst/>
+          </a:prstGeom>
+          <a:ln>
+            <a:noFill/>
+          </a:ln>
+          <a:effectLst>
+            <a:outerShdw blurRad="190500" algn="tl" rotWithShape="0">
+              <a:srgbClr val="000000">
+                <a:alpha val="70000"/>
+              </a:srgbClr>
+            </a:outerShdw>
+          </a:effectLst>
+        </p:spPr>
+      </p:pic>
+      <p:pic>
+        <p:nvPicPr>
+          <p:cNvPr id="7" name="image10.png">
+            <a:extLst>
+              <a:ext uri="{FF2B5EF4-FFF2-40B4-BE49-F238E27FC236}">
+                <a16:creationId xmlns:a16="http://schemas.microsoft.com/office/drawing/2014/main" id="{130CBF02-C907-4CD8-AD21-AEB3F7B66DEE}"/>
+              </a:ext>
+            </a:extLst>
+          </p:cNvPr>
+          <p:cNvPicPr/>
+          <p:nvPr/>
+        </p:nvPicPr>
+        <p:blipFill>
+          <a:blip r:embed="rId5"/>
+          <a:srcRect/>
+          <a:stretch>
+            <a:fillRect/>
+          </a:stretch>
+        </p:blipFill>
+        <p:spPr>
+          <a:xfrm>
+            <a:off x="5714841" y="3347400"/>
+            <a:ext cx="5918200" cy="3160081"/>
+          </a:xfrm>
+          <a:prstGeom prst="rect">
+            <a:avLst/>
+          </a:prstGeom>
+          <a:ln>
+            <a:noFill/>
+          </a:ln>
+          <a:effectLst>
+            <a:outerShdw blurRad="190500" algn="tl" rotWithShape="0">
+              <a:srgbClr val="000000">
+                <a:alpha val="70000"/>
+              </a:srgbClr>
+            </a:outerShdw>
+          </a:effectLst>
+        </p:spPr>
+      </p:pic>
     </p:spTree>
     <p:extLst>
       <p:ext uri="{BB962C8B-B14F-4D97-AF65-F5344CB8AC3E}">
-        <p14:creationId xmlns:p14="http://schemas.microsoft.com/office/powerpoint/2010/main" val="3038644373"/>
+        <p14:creationId xmlns:p14="http://schemas.microsoft.com/office/powerpoint/2010/main" val="2788110555"/>
       </p:ext>
     </p:extLst>
   </p:cSld>
@@ -8903,7 +8666,7 @@
           <p:cNvPr id="2" name="Заголовок 1">
             <a:extLst>
               <a:ext uri="{FF2B5EF4-FFF2-40B4-BE49-F238E27FC236}">
-                <a16:creationId xmlns:a16="http://schemas.microsoft.com/office/drawing/2014/main" id="{EE6961D8-5D1D-462A-950D-524494237043}"/>
+                <a16:creationId xmlns:a16="http://schemas.microsoft.com/office/drawing/2014/main" id="{445206CD-C81E-42A5-88C8-5B86297D8B37}"/>
               </a:ext>
             </a:extLst>
           </p:cNvPr>
@@ -8917,7 +8680,7 @@
         <p:spPr>
           <a:xfrm>
             <a:off x="1141413" y="609600"/>
-            <a:ext cx="9905998" cy="838200"/>
+            <a:ext cx="9905998" cy="901700"/>
           </a:xfrm>
         </p:spPr>
         <p:txBody>
@@ -8926,8 +8689,8 @@
           <a:p>
             <a:pPr algn="ctr"/>
             <a:r>
-              <a:rPr lang="ru-RU" b="1" dirty="0"/>
-              <a:t>Диаграммы</a:t>
+              <a:rPr lang="ru-RU" sz="3200" b="1" dirty="0"/>
+              <a:t>Программы</a:t>
             </a:r>
             <a:endParaRPr lang="ru-RU" dirty="0"/>
           </a:p>
@@ -8935,10 +8698,10 @@
       </p:sp>
       <p:pic>
         <p:nvPicPr>
-          <p:cNvPr id="4" name="Объект 3">
+          <p:cNvPr id="4" name="image15.png">
             <a:extLst>
               <a:ext uri="{FF2B5EF4-FFF2-40B4-BE49-F238E27FC236}">
-                <a16:creationId xmlns:a16="http://schemas.microsoft.com/office/drawing/2014/main" id="{26DFE6A4-BA87-42B5-8A71-44C7C0C835B6}"/>
+                <a16:creationId xmlns:a16="http://schemas.microsoft.com/office/drawing/2014/main" id="{28E80F64-487E-41D9-9C20-7D7E625D720F}"/>
               </a:ext>
             </a:extLst>
           </p:cNvPr>
@@ -8949,21 +8712,17 @@
             <p:ph idx="1"/>
           </p:nvPr>
         </p:nvPicPr>
-        <p:blipFill rotWithShape="1">
-          <a:blip r:embed="rId2" cstate="print">
-            <a:extLst>
-              <a:ext uri="{28A0092B-C50C-407E-A947-70E740481C1C}">
-                <a14:useLocalDpi xmlns:a14="http://schemas.microsoft.com/office/drawing/2010/main" val="0"/>
-              </a:ext>
-            </a:extLst>
-          </a:blip>
-          <a:srcRect r="45907"/>
-          <a:stretch/>
+        <p:blipFill>
+          <a:blip r:embed="rId2"/>
+          <a:srcRect/>
+          <a:stretch>
+            <a:fillRect/>
+          </a:stretch>
         </p:blipFill>
-        <p:spPr bwMode="auto">
-          <a:xfrm>
-            <a:off x="3342519" y="1270000"/>
-            <a:ext cx="5506961" cy="5410200"/>
+        <p:spPr>
+          <a:xfrm>
+            <a:off x="681195" y="1511300"/>
+            <a:ext cx="5207000" cy="2597150"/>
           </a:xfrm>
           <a:prstGeom prst="rect">
             <a:avLst/>
@@ -8978,17 +8737,90 @@
               </a:srgbClr>
             </a:outerShdw>
           </a:effectLst>
-          <a:extLst>
-            <a:ext uri="{53640926-AAD7-44D8-BBD7-CCE9431645EC}">
-              <a14:shadowObscured xmlns:a14="http://schemas.microsoft.com/office/drawing/2010/main"/>
-            </a:ext>
-          </a:extLst>
+        </p:spPr>
+      </p:pic>
+      <p:pic>
+        <p:nvPicPr>
+          <p:cNvPr id="5" name="image7.png">
+            <a:extLst>
+              <a:ext uri="{FF2B5EF4-FFF2-40B4-BE49-F238E27FC236}">
+                <a16:creationId xmlns:a16="http://schemas.microsoft.com/office/drawing/2014/main" id="{3826D23A-07B5-4BD7-B276-4BE30C371D36}"/>
+              </a:ext>
+            </a:extLst>
+          </p:cNvPr>
+          <p:cNvPicPr/>
+          <p:nvPr/>
+        </p:nvPicPr>
+        <p:blipFill>
+          <a:blip r:embed="rId3"/>
+          <a:srcRect/>
+          <a:stretch>
+            <a:fillRect/>
+          </a:stretch>
+        </p:blipFill>
+        <p:spPr>
+          <a:xfrm>
+            <a:off x="2735579" y="4665662"/>
+            <a:ext cx="5619433" cy="1984375"/>
+          </a:xfrm>
+          <a:prstGeom prst="rect">
+            <a:avLst/>
+          </a:prstGeom>
+          <a:ln>
+            <a:noFill/>
+          </a:ln>
+          <a:effectLst>
+            <a:outerShdw blurRad="190500" algn="tl" rotWithShape="0">
+              <a:srgbClr val="000000">
+                <a:alpha val="70000"/>
+              </a:srgbClr>
+            </a:outerShdw>
+          </a:effectLst>
+        </p:spPr>
+      </p:pic>
+      <p:pic>
+        <p:nvPicPr>
+          <p:cNvPr id="6" name="image8.png">
+            <a:extLst>
+              <a:ext uri="{FF2B5EF4-FFF2-40B4-BE49-F238E27FC236}">
+                <a16:creationId xmlns:a16="http://schemas.microsoft.com/office/drawing/2014/main" id="{EE886DA3-DD7A-4B00-A557-23E662A31439}"/>
+              </a:ext>
+            </a:extLst>
+          </p:cNvPr>
+          <p:cNvPicPr/>
+          <p:nvPr/>
+        </p:nvPicPr>
+        <p:blipFill>
+          <a:blip r:embed="rId4"/>
+          <a:srcRect/>
+          <a:stretch>
+            <a:fillRect/>
+          </a:stretch>
+        </p:blipFill>
+        <p:spPr>
+          <a:xfrm>
+            <a:off x="6437313" y="1333500"/>
+            <a:ext cx="5207000" cy="3179762"/>
+          </a:xfrm>
+          <a:prstGeom prst="rect">
+            <a:avLst/>
+          </a:prstGeom>
+          <a:ln>
+            <a:noFill/>
+          </a:ln>
+          <a:effectLst>
+            <a:outerShdw blurRad="190500" algn="tl" rotWithShape="0">
+              <a:srgbClr val="000000">
+                <a:alpha val="70000"/>
+              </a:srgbClr>
+            </a:outerShdw>
+          </a:effectLst>
         </p:spPr>
       </p:pic>
     </p:spTree>
     <p:extLst>
       <p:ext uri="{BB962C8B-B14F-4D97-AF65-F5344CB8AC3E}">
-        <p14:creationId xmlns:p14="http://schemas.microsoft.com/office/powerpoint/2010/main" val="434954365"/>
+        <p14:creationId xmlns:p14="http://schemas.microsoft.com/office/powerpoint/2010/main" val="707563747"/>
       </p:ext>
     </p:extLst>
   </p:cSld>
